--- a/presentation/layout.pptx
+++ b/presentation/layout.pptx
@@ -8,6 +8,9 @@
     <p:sldId id="256" r:id="rId2"/>
     <p:sldId id="257" r:id="rId3"/>
     <p:sldId id="258" r:id="rId4"/>
+    <p:sldId id="260" r:id="rId5"/>
+    <p:sldId id="259" r:id="rId6"/>
+    <p:sldId id="261" r:id="rId7"/>
   </p:sldIdLst>
   <p:sldSz cx="12192000" cy="6858000"/>
   <p:notesSz cx="6858000" cy="9144000"/>
@@ -106,6 +109,11 @@
       </a:defRPr>
     </a:lvl9pPr>
   </p:defaultTextStyle>
+  <p:extLst>
+    <p:ext uri="{EFAFB233-063F-42B5-8137-9DF3F51BA10A}">
+      <p15:sldGuideLst xmlns:p15="http://schemas.microsoft.com/office/powerpoint/2012/main"/>
+    </p:ext>
+  </p:extLst>
 </p:presentation>
 </file>
 
@@ -353,7 +361,7 @@
           <a:p>
             <a:fld id="{9184DA70-C731-4C70-880D-CCD4705E623C}" type="datetime1">
               <a:rPr lang="en-US" smtClean="0"/>
-              <a:t>5/6/2022</a:t>
+              <a:t>5/7/2022</a:t>
             </a:fld>
             <a:endParaRPr lang="en-US" dirty="0"/>
           </a:p>
@@ -407,7 +415,7 @@
           <a:p>
             <a:fld id="{3A98EE3D-8CD1-4C3F-BD1C-C98C9596463C}" type="slidenum">
               <a:rPr lang="en-US" smtClean="0"/>
-              <a:t>‹Nr.›</a:t>
+              <a:t>‹#›</a:t>
             </a:fld>
             <a:endParaRPr lang="en-US" dirty="0"/>
           </a:p>
@@ -541,7 +549,7 @@
           <a:p>
             <a:fld id="{B612A279-0833-481D-8C56-F67FD0AC6C50}" type="datetime1">
               <a:rPr lang="en-US" smtClean="0"/>
-              <a:t>5/6/2022</a:t>
+              <a:t>5/7/2022</a:t>
             </a:fld>
             <a:endParaRPr lang="en-US" dirty="0"/>
           </a:p>
@@ -595,7 +603,7 @@
           <a:p>
             <a:fld id="{3A98EE3D-8CD1-4C3F-BD1C-C98C9596463C}" type="slidenum">
               <a:rPr lang="en-US" smtClean="0"/>
-              <a:t>‹Nr.›</a:t>
+              <a:t>‹#›</a:t>
             </a:fld>
             <a:endParaRPr lang="en-US" dirty="0"/>
           </a:p>
@@ -783,7 +791,7 @@
           <a:p>
             <a:fld id="{6587DA83-5663-4C9C-B9AA-0B40A3DAFF81}" type="datetime1">
               <a:rPr lang="en-US" smtClean="0"/>
-              <a:t>5/6/2022</a:t>
+              <a:t>5/7/2022</a:t>
             </a:fld>
             <a:endParaRPr lang="en-US" dirty="0"/>
           </a:p>
@@ -837,7 +845,7 @@
           <a:p>
             <a:fld id="{3A98EE3D-8CD1-4C3F-BD1C-C98C9596463C}" type="slidenum">
               <a:rPr lang="en-US" smtClean="0"/>
-              <a:t>‹Nr.›</a:t>
+              <a:t>‹#›</a:t>
             </a:fld>
             <a:endParaRPr lang="en-US" dirty="0"/>
           </a:p>
@@ -971,7 +979,7 @@
           <a:p>
             <a:fld id="{4BE1D723-8F53-4F53-90B0-1982A396982E}" type="datetime1">
               <a:rPr lang="en-US" smtClean="0"/>
-              <a:t>5/6/2022</a:t>
+              <a:t>5/7/2022</a:t>
             </a:fld>
             <a:endParaRPr lang="en-US" dirty="0"/>
           </a:p>
@@ -1025,7 +1033,7 @@
           <a:p>
             <a:fld id="{3A98EE3D-8CD1-4C3F-BD1C-C98C9596463C}" type="slidenum">
               <a:rPr lang="en-US" smtClean="0"/>
-              <a:t>‹Nr.›</a:t>
+              <a:t>‹#›</a:t>
             </a:fld>
             <a:endParaRPr lang="en-US" dirty="0"/>
           </a:p>
@@ -1344,7 +1352,7 @@
           <a:p>
             <a:fld id="{97669AF7-7BEB-44E4-9852-375E34362B5B}" type="datetime1">
               <a:rPr lang="en-US" smtClean="0"/>
-              <a:t>5/6/2022</a:t>
+              <a:t>5/7/2022</a:t>
             </a:fld>
             <a:endParaRPr lang="en-US" dirty="0"/>
           </a:p>
@@ -1398,7 +1406,7 @@
           <a:p>
             <a:fld id="{3A98EE3D-8CD1-4C3F-BD1C-C98C9596463C}" type="slidenum">
               <a:rPr lang="en-US" smtClean="0"/>
-              <a:t>‹Nr.›</a:t>
+              <a:t>‹#›</a:t>
             </a:fld>
             <a:endParaRPr lang="en-US" dirty="0"/>
           </a:p>
@@ -1599,7 +1607,7 @@
           <a:p>
             <a:fld id="{BAAAC38D-0552-4C82-B593-E6124DFADBE2}" type="datetime1">
               <a:rPr lang="en-US" smtClean="0"/>
-              <a:t>5/6/2022</a:t>
+              <a:t>5/7/2022</a:t>
             </a:fld>
             <a:endParaRPr lang="en-US" dirty="0"/>
           </a:p>
@@ -1653,7 +1661,7 @@
           <a:p>
             <a:fld id="{3A98EE3D-8CD1-4C3F-BD1C-C98C9596463C}" type="slidenum">
               <a:rPr lang="en-US" smtClean="0"/>
-              <a:t>‹Nr.›</a:t>
+              <a:t>‹#›</a:t>
             </a:fld>
             <a:endParaRPr lang="en-US" dirty="0"/>
           </a:p>
@@ -1996,7 +2004,7 @@
           <a:p>
             <a:fld id="{D9DF0F1C-5577-4ACB-BB62-DF8F3C494C7E}" type="datetime1">
               <a:rPr lang="en-US" smtClean="0"/>
-              <a:t>5/6/2022</a:t>
+              <a:t>5/7/2022</a:t>
             </a:fld>
             <a:endParaRPr lang="en-US" dirty="0"/>
           </a:p>
@@ -2050,7 +2058,7 @@
           <a:p>
             <a:fld id="{3A98EE3D-8CD1-4C3F-BD1C-C98C9596463C}" type="slidenum">
               <a:rPr lang="en-US" smtClean="0"/>
-              <a:t>‹Nr.›</a:t>
+              <a:t>‹#›</a:t>
             </a:fld>
             <a:endParaRPr lang="en-US" dirty="0"/>
           </a:p>
@@ -2132,7 +2140,7 @@
           <a:p>
             <a:fld id="{1775B394-D9F9-4F0C-B15D-605F45CB9E9F}" type="datetime1">
               <a:rPr lang="en-US" smtClean="0"/>
-              <a:t>5/6/2022</a:t>
+              <a:t>5/7/2022</a:t>
             </a:fld>
             <a:endParaRPr lang="en-US" dirty="0"/>
           </a:p>
@@ -2186,7 +2194,7 @@
           <a:p>
             <a:fld id="{3A98EE3D-8CD1-4C3F-BD1C-C98C9596463C}" type="slidenum">
               <a:rPr lang="en-US" smtClean="0"/>
-              <a:t>‹Nr.›</a:t>
+              <a:t>‹#›</a:t>
             </a:fld>
             <a:endParaRPr lang="en-US" dirty="0"/>
           </a:p>
@@ -2289,7 +2297,7 @@
           <a:p>
             <a:fld id="{39667345-2558-425A-8533-9BFDBCE15005}" type="datetime1">
               <a:rPr lang="en-US" smtClean="0"/>
-              <a:t>5/6/2022</a:t>
+              <a:t>5/7/2022</a:t>
             </a:fld>
             <a:endParaRPr lang="en-US" dirty="0"/>
           </a:p>
@@ -2343,7 +2351,7 @@
           <a:p>
             <a:fld id="{3A98EE3D-8CD1-4C3F-BD1C-C98C9596463C}" type="slidenum">
               <a:rPr lang="en-US" smtClean="0"/>
-              <a:t>‹Nr.›</a:t>
+              <a:t>‹#›</a:t>
             </a:fld>
             <a:endParaRPr lang="en-US" dirty="0"/>
           </a:p>
@@ -2618,7 +2626,7 @@
           <a:p>
             <a:fld id="{92BEA474-078D-4E9B-9B14-09A87B19DC46}" type="datetime1">
               <a:rPr lang="en-US" smtClean="0"/>
-              <a:t>5/6/2022</a:t>
+              <a:t>5/7/2022</a:t>
             </a:fld>
             <a:endParaRPr lang="en-US" dirty="0"/>
           </a:p>
@@ -2682,7 +2690,7 @@
             <a:fld id="{3A98EE3D-8CD1-4C3F-BD1C-C98C9596463C}" type="slidenum">
               <a:rPr lang="en-US" smtClean="0"/>
               <a:pPr/>
-              <a:t>‹Nr.›</a:t>
+              <a:t>‹#›</a:t>
             </a:fld>
             <a:endParaRPr lang="en-US" dirty="0"/>
           </a:p>
@@ -2968,7 +2976,7 @@
           <a:p>
             <a:fld id="{4907D986-8816-4272-A432-0437A28A9828}" type="datetime1">
               <a:rPr lang="en-US" smtClean="0"/>
-              <a:t>5/6/2022</a:t>
+              <a:t>5/7/2022</a:t>
             </a:fld>
             <a:endParaRPr lang="en-US" dirty="0"/>
           </a:p>
@@ -3016,7 +3024,7 @@
           <a:p>
             <a:fld id="{3A98EE3D-8CD1-4C3F-BD1C-C98C9596463C}" type="slidenum">
               <a:rPr lang="en-US" smtClean="0"/>
-              <a:t>‹Nr.›</a:t>
+              <a:t>‹#›</a:t>
             </a:fld>
             <a:endParaRPr lang="en-US" dirty="0"/>
           </a:p>
@@ -3229,7 +3237,7 @@
           <a:p>
             <a:fld id="{62D6E202-B606-4609-B914-27C9371A1F6D}" type="datetime1">
               <a:rPr lang="en-US" smtClean="0"/>
-              <a:t>5/6/2022</a:t>
+              <a:t>5/7/2022</a:t>
             </a:fld>
             <a:endParaRPr lang="en-US" dirty="0"/>
           </a:p>
@@ -3303,7 +3311,7 @@
           <a:p>
             <a:fld id="{3A98EE3D-8CD1-4C3F-BD1C-C98C9596463C}" type="slidenum">
               <a:rPr lang="en-US" smtClean="0"/>
-              <a:t>‹Nr.›</a:t>
+              <a:t>‹#›</a:t>
             </a:fld>
             <a:endParaRPr lang="en-US" dirty="0"/>
           </a:p>
@@ -4429,15 +4437,34 @@
         </p:spPr>
         <p:txBody>
           <a:bodyPr anchor="ctr">
-            <a:normAutofit/>
+            <a:normAutofit fontScale="90000"/>
           </a:bodyPr>
           <a:lstStyle/>
           <a:p>
-            <a:endParaRPr lang="de-DE">
-              <a:solidFill>
-                <a:srgbClr val="FFFFFF"/>
-              </a:solidFill>
-            </a:endParaRPr>
+            <a:pPr algn="ctr"/>
+            <a:r>
+              <a:rPr lang="de-DE" b="1" dirty="0">
+                <a:solidFill>
+                  <a:srgbClr val="FFFFFF"/>
+                </a:solidFill>
+              </a:rPr>
+              <a:t>Data</a:t>
+            </a:r>
+            <a:br>
+              <a:rPr lang="de-DE" b="1" dirty="0">
+                <a:solidFill>
+                  <a:srgbClr val="FFFFFF"/>
+                </a:solidFill>
+              </a:rPr>
+            </a:br>
+            <a:r>
+              <a:rPr lang="de-DE" b="1" i="1" dirty="0">
+                <a:solidFill>
+                  <a:srgbClr val="FFFFFF"/>
+                </a:solidFill>
+              </a:rPr>
+              <a:t>keine sorge nur mal ein grober überblick pink bleibt nicht…. :P</a:t>
+            </a:r>
           </a:p>
         </p:txBody>
       </p:sp>
@@ -4469,7 +4496,98 @@
           </a:bodyPr>
           <a:lstStyle/>
           <a:p>
-            <a:endParaRPr lang="de-DE"/>
+            <a:r>
+              <a:rPr lang="de-DE" sz="2800" dirty="0"/>
+              <a:t>3 Datasets</a:t>
+            </a:r>
+          </a:p>
+          <a:p>
+            <a:pPr>
+              <a:lnSpc>
+                <a:spcPct val="107000"/>
+              </a:lnSpc>
+              <a:spcAft>
+                <a:spcPts val="800"/>
+              </a:spcAft>
+              <a:buFont typeface="Wingdings" panose="05000000000000000000" pitchFamily="2" charset="2"/>
+              <a:buChar char="§"/>
+            </a:pPr>
+            <a:r>
+              <a:rPr lang="en-GB" sz="2400" dirty="0">
+                <a:effectLst/>
+                <a:latin typeface="Calibri" panose="020F0502020204030204" pitchFamily="34" charset="0"/>
+                <a:ea typeface="Calibri" panose="020F0502020204030204" pitchFamily="34" charset="0"/>
+                <a:cs typeface="Times New Roman" panose="02020603050405020304" pitchFamily="18" charset="0"/>
+              </a:rPr>
+              <a:t>N2DH- GOWT1</a:t>
+            </a:r>
+            <a:endParaRPr lang="de-DE" sz="2400" dirty="0">
+              <a:effectLst/>
+              <a:latin typeface="Calibri" panose="020F0502020204030204" pitchFamily="34" charset="0"/>
+              <a:ea typeface="Calibri" panose="020F0502020204030204" pitchFamily="34" charset="0"/>
+              <a:cs typeface="Times New Roman" panose="02020603050405020304" pitchFamily="18" charset="0"/>
+            </a:endParaRPr>
+          </a:p>
+          <a:p>
+            <a:pPr>
+              <a:lnSpc>
+                <a:spcPct val="107000"/>
+              </a:lnSpc>
+              <a:spcAft>
+                <a:spcPts val="800"/>
+              </a:spcAft>
+              <a:buFont typeface="Wingdings" panose="05000000000000000000" pitchFamily="2" charset="2"/>
+              <a:buChar char="§"/>
+            </a:pPr>
+            <a:r>
+              <a:rPr lang="en-GB" sz="2400" dirty="0">
+                <a:effectLst/>
+                <a:latin typeface="Calibri" panose="020F0502020204030204" pitchFamily="34" charset="0"/>
+                <a:ea typeface="Calibri" panose="020F0502020204030204" pitchFamily="34" charset="0"/>
+                <a:cs typeface="Times New Roman" panose="02020603050405020304" pitchFamily="18" charset="0"/>
+              </a:rPr>
+              <a:t>N2DL-HeLa</a:t>
+            </a:r>
+            <a:endParaRPr lang="de-DE" sz="2400" dirty="0">
+              <a:effectLst/>
+              <a:latin typeface="Calibri" panose="020F0502020204030204" pitchFamily="34" charset="0"/>
+              <a:ea typeface="Calibri" panose="020F0502020204030204" pitchFamily="34" charset="0"/>
+              <a:cs typeface="Times New Roman" panose="02020603050405020304" pitchFamily="18" charset="0"/>
+            </a:endParaRPr>
+          </a:p>
+          <a:p>
+            <a:pPr>
+              <a:lnSpc>
+                <a:spcPct val="107000"/>
+              </a:lnSpc>
+              <a:spcAft>
+                <a:spcPts val="800"/>
+              </a:spcAft>
+              <a:buFont typeface="Wingdings" panose="05000000000000000000" pitchFamily="2" charset="2"/>
+              <a:buChar char="§"/>
+            </a:pPr>
+            <a:r>
+              <a:rPr lang="en-GB" sz="2400" dirty="0">
+                <a:effectLst/>
+                <a:latin typeface="Calibri" panose="020F0502020204030204" pitchFamily="34" charset="0"/>
+                <a:ea typeface="Calibri" panose="020F0502020204030204" pitchFamily="34" charset="0"/>
+                <a:cs typeface="Times New Roman" panose="02020603050405020304" pitchFamily="18" charset="0"/>
+              </a:rPr>
+              <a:t>NIH3T3</a:t>
+            </a:r>
+            <a:endParaRPr lang="de-DE" sz="2400" dirty="0">
+              <a:effectLst/>
+              <a:latin typeface="Calibri" panose="020F0502020204030204" pitchFamily="34" charset="0"/>
+              <a:ea typeface="Calibri" panose="020F0502020204030204" pitchFamily="34" charset="0"/>
+              <a:cs typeface="Times New Roman" panose="02020603050405020304" pitchFamily="18" charset="0"/>
+            </a:endParaRPr>
+          </a:p>
+          <a:p>
+            <a:pPr>
+              <a:buFont typeface="Wingdings" panose="05000000000000000000" pitchFamily="2" charset="2"/>
+              <a:buChar char="§"/>
+            </a:pPr>
+            <a:endParaRPr lang="de-DE" dirty="0"/>
           </a:p>
         </p:txBody>
       </p:sp>
@@ -4527,6 +4645,190 @@
             <a:schemeClr val="lt1"/>
           </a:fontRef>
         </p:style>
+      </p:sp>
+      <p:sp>
+        <p:nvSpPr>
+          <p:cNvPr id="4" name="Oval 3">
+            <a:extLst>
+              <a:ext uri="{FF2B5EF4-FFF2-40B4-BE49-F238E27FC236}">
+                <a16:creationId xmlns:a16="http://schemas.microsoft.com/office/drawing/2014/main" id="{86F2EAB1-3C2A-051F-B216-7C4B38A16281}"/>
+              </a:ext>
+            </a:extLst>
+          </p:cNvPr>
+          <p:cNvSpPr/>
+          <p:nvPr/>
+        </p:nvSpPr>
+        <p:spPr>
+          <a:xfrm>
+            <a:off x="5255489" y="2450088"/>
+            <a:ext cx="3057236" cy="3193294"/>
+          </a:xfrm>
+          <a:prstGeom prst="ellipse">
+            <a:avLst/>
+          </a:prstGeom>
+        </p:spPr>
+        <p:style>
+          <a:lnRef idx="2">
+            <a:schemeClr val="accent1">
+              <a:shade val="50000"/>
+            </a:schemeClr>
+          </a:lnRef>
+          <a:fillRef idx="1">
+            <a:schemeClr val="accent1"/>
+          </a:fillRef>
+          <a:effectRef idx="0">
+            <a:schemeClr val="accent1"/>
+          </a:effectRef>
+          <a:fontRef idx="minor">
+            <a:schemeClr val="lt1"/>
+          </a:fontRef>
+        </p:style>
+        <p:txBody>
+          <a:bodyPr rtlCol="0" anchor="ctr"/>
+          <a:lstStyle/>
+          <a:p>
+            <a:pPr algn="ctr"/>
+            <a:endParaRPr lang="de-DE"/>
+          </a:p>
+        </p:txBody>
+      </p:sp>
+      <p:sp>
+        <p:nvSpPr>
+          <p:cNvPr id="5" name="TextBox 4">
+            <a:extLst>
+              <a:ext uri="{FF2B5EF4-FFF2-40B4-BE49-F238E27FC236}">
+                <a16:creationId xmlns:a16="http://schemas.microsoft.com/office/drawing/2014/main" id="{D42811A8-581A-467F-CA7E-EEFD85D1D744}"/>
+              </a:ext>
+            </a:extLst>
+          </p:cNvPr>
+          <p:cNvSpPr txBox="1"/>
+          <p:nvPr/>
+        </p:nvSpPr>
+        <p:spPr>
+          <a:xfrm>
+            <a:off x="5592616" y="3412836"/>
+            <a:ext cx="2382982" cy="954107"/>
+          </a:xfrm>
+          <a:prstGeom prst="rect">
+            <a:avLst/>
+          </a:prstGeom>
+          <a:noFill/>
+        </p:spPr>
+        <p:txBody>
+          <a:bodyPr wrap="square" rtlCol="0">
+            <a:spAutoFit/>
+          </a:bodyPr>
+          <a:lstStyle/>
+          <a:p>
+            <a:r>
+              <a:rPr lang="de-DE" sz="2800" dirty="0" err="1"/>
+              <a:t>Why</a:t>
+            </a:r>
+            <a:r>
+              <a:rPr lang="de-DE" sz="2800" dirty="0"/>
+              <a:t> Otsu </a:t>
+            </a:r>
+            <a:r>
+              <a:rPr lang="de-DE" sz="2800" dirty="0" err="1"/>
+              <a:t>thresholding</a:t>
+            </a:r>
+            <a:r>
+              <a:rPr lang="de-DE" dirty="0"/>
+              <a:t>?</a:t>
+            </a:r>
+          </a:p>
+        </p:txBody>
+      </p:sp>
+      <p:sp>
+        <p:nvSpPr>
+          <p:cNvPr id="6" name="TextBox 5">
+            <a:extLst>
+              <a:ext uri="{FF2B5EF4-FFF2-40B4-BE49-F238E27FC236}">
+                <a16:creationId xmlns:a16="http://schemas.microsoft.com/office/drawing/2014/main" id="{946E2285-934F-8DF9-47A3-EE46BE1F064A}"/>
+              </a:ext>
+            </a:extLst>
+          </p:cNvPr>
+          <p:cNvSpPr txBox="1"/>
+          <p:nvPr/>
+        </p:nvSpPr>
+        <p:spPr>
+          <a:xfrm>
+            <a:off x="8566119" y="2166479"/>
+            <a:ext cx="3057236" cy="2862322"/>
+          </a:xfrm>
+          <a:prstGeom prst="rect">
+            <a:avLst/>
+          </a:prstGeom>
+          <a:noFill/>
+        </p:spPr>
+        <p:txBody>
+          <a:bodyPr wrap="square" rtlCol="0">
+            <a:spAutoFit/>
+          </a:bodyPr>
+          <a:lstStyle/>
+          <a:p>
+            <a:r>
+              <a:rPr lang="de-DE" dirty="0"/>
+              <a:t>Würde </a:t>
+            </a:r>
+            <a:r>
+              <a:rPr lang="de-DE" dirty="0" err="1"/>
+              <a:t>irgenwie</a:t>
+            </a:r>
+            <a:r>
+              <a:rPr lang="de-DE" dirty="0"/>
+              <a:t> ziemlich am </a:t>
+            </a:r>
+            <a:r>
+              <a:rPr lang="de-DE" dirty="0" err="1"/>
+              <a:t>anfang</a:t>
+            </a:r>
+            <a:r>
+              <a:rPr lang="de-DE" dirty="0"/>
+              <a:t> erklären warum wir jetzt </a:t>
+            </a:r>
+            <a:r>
+              <a:rPr lang="de-DE" dirty="0" err="1"/>
+              <a:t>otsu</a:t>
+            </a:r>
+            <a:r>
+              <a:rPr lang="de-DE" dirty="0"/>
+              <a:t> verwinden und was das genau bringt für unsere </a:t>
+            </a:r>
+            <a:r>
+              <a:rPr lang="de-DE" dirty="0" err="1"/>
+              <a:t>bilder</a:t>
+            </a:r>
+            <a:r>
+              <a:rPr lang="de-DE" dirty="0"/>
+              <a:t>. </a:t>
+            </a:r>
+            <a:r>
+              <a:rPr lang="de-DE" dirty="0" err="1"/>
+              <a:t>Evtl</a:t>
+            </a:r>
+            <a:r>
+              <a:rPr lang="de-DE" dirty="0"/>
+              <a:t> 2 </a:t>
+            </a:r>
+            <a:r>
+              <a:rPr lang="de-DE" dirty="0" err="1"/>
+              <a:t>sätze</a:t>
+            </a:r>
+            <a:r>
+              <a:rPr lang="de-DE" dirty="0"/>
+              <a:t> dazu quasi als </a:t>
+            </a:r>
+            <a:r>
+              <a:rPr lang="de-DE" dirty="0" err="1"/>
+              <a:t>einleitungssatz</a:t>
+            </a:r>
+            <a:r>
+              <a:rPr lang="de-DE" dirty="0"/>
+              <a:t>? Und dann sagen genaueres kommt später oder sowas meint ihr?</a:t>
+            </a:r>
+          </a:p>
+        </p:txBody>
       </p:sp>
     </p:spTree>
     <p:extLst>
@@ -4568,10 +4870,10 @@
       </p:grpSpPr>
       <p:sp useBgFill="1">
         <p:nvSpPr>
-          <p:cNvPr id="8" name="Rectangle 7">
-            <a:extLst>
-              <a:ext uri="{FF2B5EF4-FFF2-40B4-BE49-F238E27FC236}">
-                <a16:creationId xmlns:a16="http://schemas.microsoft.com/office/drawing/2014/main" id="{C8DD82D3-D002-45B0-B16A-82B3DA4EFDDB}"/>
+          <p:cNvPr id="17" name="Rectangle 16">
+            <a:extLst>
+              <a:ext uri="{FF2B5EF4-FFF2-40B4-BE49-F238E27FC236}">
+                <a16:creationId xmlns:a16="http://schemas.microsoft.com/office/drawing/2014/main" id="{3558DB37-9FEE-48A2-8578-ED0401573943}"/>
               </a:ext>
               <a:ext uri="{C183D7F6-B498-43B3-948B-1728B52AA6E4}">
                 <adec:decorative xmlns:adec="http://schemas.microsoft.com/office/drawing/2017/decorative" val="1"/>
@@ -4591,8 +4893,8 @@
         </p:nvSpPr>
         <p:spPr>
           <a:xfrm>
-            <a:off x="3048" y="0"/>
-            <a:ext cx="12188952" cy="6858000"/>
+            <a:off x="1507" y="0"/>
+            <a:ext cx="12192000" cy="6858000"/>
           </a:xfrm>
           <a:prstGeom prst="rect">
             <a:avLst/>
@@ -4628,52 +4930,19 @@
       </p:sp>
       <p:sp>
         <p:nvSpPr>
-          <p:cNvPr id="2" name="Titel 1">
-            <a:extLst>
-              <a:ext uri="{FF2B5EF4-FFF2-40B4-BE49-F238E27FC236}">
-                <a16:creationId xmlns:a16="http://schemas.microsoft.com/office/drawing/2014/main" id="{B57B2F69-00D0-4B86-9065-F1A57A6D2EA4}"/>
-              </a:ext>
-            </a:extLst>
-          </p:cNvPr>
-          <p:cNvSpPr>
-            <a:spLocks noGrp="1"/>
-          </p:cNvSpPr>
-          <p:nvPr>
-            <p:ph type="title"/>
-          </p:nvPr>
-        </p:nvSpPr>
-        <p:spPr>
-          <a:xfrm>
-            <a:off x="643467" y="632582"/>
-            <a:ext cx="5921921" cy="5126203"/>
-          </a:xfrm>
-        </p:spPr>
-        <p:txBody>
-          <a:bodyPr anchor="ctr">
-            <a:normAutofit/>
-          </a:bodyPr>
-          <a:lstStyle/>
-          <a:p>
-            <a:pPr algn="r"/>
-            <a:endParaRPr lang="de-DE" sz="8800"/>
-          </a:p>
-        </p:txBody>
-      </p:sp>
-      <p:cxnSp>
-        <p:nvCxnSpPr>
-          <p:cNvPr id="10" name="Straight Connector 9">
-            <a:extLst>
-              <a:ext uri="{FF2B5EF4-FFF2-40B4-BE49-F238E27FC236}">
-                <a16:creationId xmlns:a16="http://schemas.microsoft.com/office/drawing/2014/main" id="{9F09C252-16FE-4557-AD6D-BB5CA773496C}"/>
+          <p:cNvPr id="19" name="Rectangle 18">
+            <a:extLst>
+              <a:ext uri="{FF2B5EF4-FFF2-40B4-BE49-F238E27FC236}">
+                <a16:creationId xmlns:a16="http://schemas.microsoft.com/office/drawing/2014/main" id="{5F7FCCA6-00E2-4F74-A105-0D769872F243}"/>
               </a:ext>
               <a:ext uri="{C183D7F6-B498-43B3-948B-1728B52AA6E4}">
                 <adec:decorative xmlns:adec="http://schemas.microsoft.com/office/drawing/2017/decorative" val="1"/>
               </a:ext>
             </a:extLst>
           </p:cNvPr>
-          <p:cNvCxnSpPr>
-            <a:cxnSpLocks noGrp="1" noRot="1" noChangeAspect="1" noMove="1" noResize="1" noEditPoints="1" noAdjustHandles="1" noChangeArrowheads="1" noChangeShapeType="1"/>
-          </p:cNvCxnSpPr>
+          <p:cNvSpPr>
+            <a:spLocks noGrp="1" noRot="1" noChangeAspect="1" noMove="1" noResize="1" noEditPoints="1" noAdjustHandles="1" noChangeArrowheads="1" noChangeShapeType="1" noTextEdit="1"/>
+          </p:cNvSpPr>
           <p:nvPr>
             <p:extLst>
               <p:ext uri="{386F3935-93C4-4BCD-93E2-E3B085C9AB24}">
@@ -4681,96 +4950,11 @@
               </p:ext>
             </p:extLst>
           </p:nvPr>
-        </p:nvCxnSpPr>
-        <p:spPr>
-          <a:xfrm>
-            <a:off x="7050021" y="1595483"/>
-            <a:ext cx="0" cy="3200400"/>
-          </a:xfrm>
-          <a:prstGeom prst="line">
-            <a:avLst/>
-          </a:prstGeom>
-          <a:ln w="19050">
-            <a:solidFill>
-              <a:schemeClr val="tx1"/>
-            </a:solidFill>
-            <a:miter lim="800000"/>
-          </a:ln>
-        </p:spPr>
-        <p:style>
-          <a:lnRef idx="1">
-            <a:schemeClr val="accent1"/>
-          </a:lnRef>
-          <a:fillRef idx="0">
-            <a:schemeClr val="accent1"/>
-          </a:fillRef>
-          <a:effectRef idx="0">
-            <a:schemeClr val="accent1"/>
-          </a:effectRef>
-          <a:fontRef idx="minor">
-            <a:schemeClr val="tx1"/>
-          </a:fontRef>
-        </p:style>
-      </p:cxnSp>
-      <p:sp>
-        <p:nvSpPr>
-          <p:cNvPr id="3" name="Inhaltsplatzhalter 2">
-            <a:extLst>
-              <a:ext uri="{FF2B5EF4-FFF2-40B4-BE49-F238E27FC236}">
-                <a16:creationId xmlns:a16="http://schemas.microsoft.com/office/drawing/2014/main" id="{2897CBC4-7266-4ABE-8AD6-5A853A1AA03F}"/>
-              </a:ext>
-            </a:extLst>
-          </p:cNvPr>
-          <p:cNvSpPr>
-            <a:spLocks noGrp="1"/>
-          </p:cNvSpPr>
-          <p:nvPr>
-            <p:ph idx="1"/>
-          </p:nvPr>
-        </p:nvSpPr>
-        <p:spPr>
-          <a:xfrm>
-            <a:off x="7534654" y="621697"/>
-            <a:ext cx="3621025" cy="5147973"/>
-          </a:xfrm>
-        </p:spPr>
-        <p:txBody>
-          <a:bodyPr anchor="ctr">
-            <a:normAutofit/>
-          </a:bodyPr>
-          <a:lstStyle/>
-          <a:p>
-            <a:endParaRPr lang="de-DE"/>
-          </a:p>
-        </p:txBody>
-      </p:sp>
-      <p:sp>
-        <p:nvSpPr>
-          <p:cNvPr id="12" name="Rectangle 11">
-            <a:extLst>
-              <a:ext uri="{FF2B5EF4-FFF2-40B4-BE49-F238E27FC236}">
-                <a16:creationId xmlns:a16="http://schemas.microsoft.com/office/drawing/2014/main" id="{01E907E6-DC1F-49A9-A946-CEB2CB330FE2}"/>
-              </a:ext>
-              <a:ext uri="{C183D7F6-B498-43B3-948B-1728B52AA6E4}">
-                <adec:decorative xmlns:adec="http://schemas.microsoft.com/office/drawing/2017/decorative" val="1"/>
-              </a:ext>
-            </a:extLst>
-          </p:cNvPr>
-          <p:cNvSpPr>
-            <a:spLocks noGrp="1" noRot="1" noChangeAspect="1" noMove="1" noResize="1" noEditPoints="1" noAdjustHandles="1" noChangeArrowheads="1" noChangeShapeType="1" noTextEdit="1"/>
-          </p:cNvSpPr>
-          <p:nvPr>
-            <p:extLst>
-              <p:ext uri="{386F3935-93C4-4BCD-93E2-E3B085C9AB24}">
-                <p16:designElem xmlns:p16="http://schemas.microsoft.com/office/powerpoint/2015/main" val="1"/>
-              </p:ext>
-            </p:extLst>
-          </p:nvPr>
-        </p:nvSpPr>
-        <p:spPr>
-          <a:xfrm>
-            <a:off x="0" y="6400800"/>
-            <a:ext cx="12192000" cy="457200"/>
+        </p:nvSpPr>
+        <p:spPr bwMode="white">
+          <a:xfrm>
+            <a:off x="1507" y="0"/>
+            <a:ext cx="12188952" cy="1905000"/>
           </a:xfrm>
           <a:prstGeom prst="rect">
             <a:avLst/>
@@ -4799,10 +4983,1459 @@
           </a:fontRef>
         </p:style>
       </p:sp>
+      <p:sp>
+        <p:nvSpPr>
+          <p:cNvPr id="2" name="Titel 1">
+            <a:extLst>
+              <a:ext uri="{FF2B5EF4-FFF2-40B4-BE49-F238E27FC236}">
+                <a16:creationId xmlns:a16="http://schemas.microsoft.com/office/drawing/2014/main" id="{B57B2F69-00D0-4B86-9065-F1A57A6D2EA4}"/>
+              </a:ext>
+            </a:extLst>
+          </p:cNvPr>
+          <p:cNvSpPr>
+            <a:spLocks noGrp="1"/>
+          </p:cNvSpPr>
+          <p:nvPr>
+            <p:ph type="title"/>
+          </p:nvPr>
+        </p:nvSpPr>
+        <p:spPr>
+          <a:xfrm>
+            <a:off x="1097280" y="286603"/>
+            <a:ext cx="10058400" cy="1450757"/>
+          </a:xfrm>
+        </p:spPr>
+        <p:txBody>
+          <a:bodyPr anchor="ctr">
+            <a:normAutofit fontScale="90000"/>
+          </a:bodyPr>
+          <a:lstStyle/>
+          <a:p>
+            <a:pPr algn="ctr"/>
+            <a:br>
+              <a:rPr lang="en-GB" sz="4800" dirty="0">
+                <a:solidFill>
+                  <a:schemeClr val="bg1"/>
+                </a:solidFill>
+                <a:effectLst/>
+                <a:latin typeface="Calibri" panose="020F0502020204030204" pitchFamily="34" charset="0"/>
+                <a:ea typeface="Calibri" panose="020F0502020204030204" pitchFamily="34" charset="0"/>
+                <a:cs typeface="Times New Roman" panose="02020603050405020304" pitchFamily="18" charset="0"/>
+              </a:rPr>
+            </a:br>
+            <a:r>
+              <a:rPr lang="en-GB" sz="4800" dirty="0">
+                <a:solidFill>
+                  <a:schemeClr val="bg1"/>
+                </a:solidFill>
+                <a:effectLst/>
+                <a:latin typeface="Calibri" panose="020F0502020204030204" pitchFamily="34" charset="0"/>
+                <a:ea typeface="Calibri" panose="020F0502020204030204" pitchFamily="34" charset="0"/>
+                <a:cs typeface="Times New Roman" panose="02020603050405020304" pitchFamily="18" charset="0"/>
+              </a:rPr>
+              <a:t>N2DH- GOWT1</a:t>
+            </a:r>
+            <a:br>
+              <a:rPr lang="en-GB" sz="4800" dirty="0">
+                <a:solidFill>
+                  <a:schemeClr val="bg1"/>
+                </a:solidFill>
+                <a:effectLst/>
+                <a:latin typeface="Calibri" panose="020F0502020204030204" pitchFamily="34" charset="0"/>
+                <a:ea typeface="Calibri" panose="020F0502020204030204" pitchFamily="34" charset="0"/>
+                <a:cs typeface="Times New Roman" panose="02020603050405020304" pitchFamily="18" charset="0"/>
+              </a:rPr>
+            </a:br>
+            <a:r>
+              <a:rPr lang="en-GB" sz="2200" dirty="0">
+                <a:solidFill>
+                  <a:schemeClr val="bg1"/>
+                </a:solidFill>
+                <a:effectLst/>
+                <a:latin typeface="Calibri" panose="020F0502020204030204" pitchFamily="34" charset="0"/>
+                <a:ea typeface="Calibri" panose="020F0502020204030204" pitchFamily="34" charset="0"/>
+                <a:cs typeface="Times New Roman" panose="02020603050405020304" pitchFamily="18" charset="0"/>
+              </a:rPr>
+              <a:t>GFP transfected GOWT1 mouse embryonic stem cells</a:t>
+            </a:r>
+            <a:br>
+              <a:rPr lang="de-DE" sz="2200" dirty="0">
+                <a:solidFill>
+                  <a:schemeClr val="bg1"/>
+                </a:solidFill>
+                <a:effectLst/>
+                <a:latin typeface="Calibri" panose="020F0502020204030204" pitchFamily="34" charset="0"/>
+                <a:ea typeface="Calibri" panose="020F0502020204030204" pitchFamily="34" charset="0"/>
+                <a:cs typeface="Times New Roman" panose="02020603050405020304" pitchFamily="18" charset="0"/>
+              </a:rPr>
+            </a:br>
+            <a:endParaRPr lang="de-DE" dirty="0">
+              <a:solidFill>
+                <a:schemeClr val="bg1"/>
+              </a:solidFill>
+            </a:endParaRPr>
+          </a:p>
+        </p:txBody>
+      </p:sp>
+      <p:sp>
+        <p:nvSpPr>
+          <p:cNvPr id="3" name="Inhaltsplatzhalter 2">
+            <a:extLst>
+              <a:ext uri="{FF2B5EF4-FFF2-40B4-BE49-F238E27FC236}">
+                <a16:creationId xmlns:a16="http://schemas.microsoft.com/office/drawing/2014/main" id="{2897CBC4-7266-4ABE-8AD6-5A853A1AA03F}"/>
+              </a:ext>
+            </a:extLst>
+          </p:cNvPr>
+          <p:cNvSpPr>
+            <a:spLocks noGrp="1"/>
+          </p:cNvSpPr>
+          <p:nvPr>
+            <p:ph idx="1"/>
+          </p:nvPr>
+        </p:nvSpPr>
+        <p:spPr>
+          <a:xfrm>
+            <a:off x="1097280" y="2780786"/>
+            <a:ext cx="6125873" cy="3193294"/>
+          </a:xfrm>
+        </p:spPr>
+        <p:txBody>
+          <a:bodyPr>
+            <a:normAutofit/>
+          </a:bodyPr>
+          <a:lstStyle/>
+          <a:p>
+            <a:pPr>
+              <a:buFont typeface="Wingdings" panose="05000000000000000000" pitchFamily="2" charset="2"/>
+              <a:buChar char="§"/>
+            </a:pPr>
+            <a:r>
+              <a:rPr lang="en-GB" dirty="0">
+                <a:latin typeface="Calibri" panose="020F0502020204030204" pitchFamily="34" charset="0"/>
+                <a:ea typeface="Calibri" panose="020F0502020204030204" pitchFamily="34" charset="0"/>
+                <a:cs typeface="Times New Roman" panose="02020603050405020304" pitchFamily="18" charset="0"/>
+              </a:rPr>
+              <a:t>6 images total</a:t>
+            </a:r>
+            <a:endParaRPr lang="en-GB" dirty="0">
+              <a:effectLst/>
+              <a:latin typeface="Calibri" panose="020F0502020204030204" pitchFamily="34" charset="0"/>
+              <a:ea typeface="Calibri" panose="020F0502020204030204" pitchFamily="34" charset="0"/>
+              <a:cs typeface="Times New Roman" panose="02020603050405020304" pitchFamily="18" charset="0"/>
+            </a:endParaRPr>
+          </a:p>
+          <a:p>
+            <a:pPr>
+              <a:buFont typeface="Wingdings" panose="05000000000000000000" pitchFamily="2" charset="2"/>
+              <a:buChar char="§"/>
+            </a:pPr>
+            <a:r>
+              <a:rPr lang="en-GB" dirty="0">
+                <a:effectLst/>
+                <a:latin typeface="Calibri" panose="020F0502020204030204" pitchFamily="34" charset="0"/>
+                <a:ea typeface="Calibri" panose="020F0502020204030204" pitchFamily="34" charset="0"/>
+                <a:cs typeface="Times New Roman" panose="02020603050405020304" pitchFamily="18" charset="0"/>
+              </a:rPr>
+              <a:t>1024x1024 pixels</a:t>
+            </a:r>
+            <a:endParaRPr lang="de-DE" dirty="0">
+              <a:effectLst/>
+              <a:latin typeface="Calibri" panose="020F0502020204030204" pitchFamily="34" charset="0"/>
+              <a:ea typeface="Calibri" panose="020F0502020204030204" pitchFamily="34" charset="0"/>
+              <a:cs typeface="Times New Roman" panose="02020603050405020304" pitchFamily="18" charset="0"/>
+            </a:endParaRPr>
+          </a:p>
+          <a:p>
+            <a:pPr>
+              <a:buFont typeface="Wingdings" panose="05000000000000000000" pitchFamily="2" charset="2"/>
+              <a:buChar char="§"/>
+            </a:pPr>
+            <a:r>
+              <a:rPr lang="en-GB" dirty="0">
+                <a:effectLst/>
+                <a:latin typeface="Calibri" panose="020F0502020204030204" pitchFamily="34" charset="0"/>
+                <a:ea typeface="Calibri" panose="020F0502020204030204" pitchFamily="34" charset="0"/>
+                <a:cs typeface="Times New Roman" panose="02020603050405020304" pitchFamily="18" charset="0"/>
+              </a:rPr>
+              <a:t>10-20 </a:t>
+            </a:r>
+            <a:r>
+              <a:rPr lang="en-GB" dirty="0" err="1">
+                <a:effectLst/>
+                <a:latin typeface="Calibri" panose="020F0502020204030204" pitchFamily="34" charset="0"/>
+                <a:ea typeface="Calibri" panose="020F0502020204030204" pitchFamily="34" charset="0"/>
+                <a:cs typeface="Times New Roman" panose="02020603050405020304" pitchFamily="18" charset="0"/>
+              </a:rPr>
+              <a:t>nulei</a:t>
+            </a:r>
+            <a:r>
+              <a:rPr lang="en-GB" dirty="0">
+                <a:effectLst/>
+                <a:latin typeface="Calibri" panose="020F0502020204030204" pitchFamily="34" charset="0"/>
+                <a:ea typeface="Calibri" panose="020F0502020204030204" pitchFamily="34" charset="0"/>
+                <a:cs typeface="Times New Roman" panose="02020603050405020304" pitchFamily="18" charset="0"/>
+              </a:rPr>
+              <a:t> per image</a:t>
+            </a:r>
+          </a:p>
+          <a:p>
+            <a:pPr>
+              <a:buFont typeface="Wingdings" panose="05000000000000000000" pitchFamily="2" charset="2"/>
+              <a:buChar char="§"/>
+            </a:pPr>
+            <a:r>
+              <a:rPr lang="en-GB" dirty="0">
+                <a:latin typeface="Calibri" panose="020F0502020204030204" pitchFamily="34" charset="0"/>
+                <a:cs typeface="Times New Roman" panose="02020603050405020304" pitchFamily="18" charset="0"/>
+              </a:rPr>
+              <a:t>Challenge:</a:t>
+            </a:r>
+          </a:p>
+          <a:p>
+            <a:pPr>
+              <a:buFont typeface="Wingdings" panose="05000000000000000000" pitchFamily="2" charset="2"/>
+              <a:buChar char="§"/>
+            </a:pPr>
+            <a:r>
+              <a:rPr lang="en-GB" sz="2400" dirty="0">
+                <a:latin typeface="Calibri" panose="020F0502020204030204" pitchFamily="34" charset="0"/>
+                <a:cs typeface="Times New Roman" panose="02020603050405020304" pitchFamily="18" charset="0"/>
+              </a:rPr>
+              <a:t>…..</a:t>
+            </a:r>
+            <a:endParaRPr lang="de-DE" sz="2400" dirty="0"/>
+          </a:p>
+        </p:txBody>
+      </p:sp>
+      <p:sp>
+        <p:nvSpPr>
+          <p:cNvPr id="21" name="Rectangle 20">
+            <a:extLst>
+              <a:ext uri="{FF2B5EF4-FFF2-40B4-BE49-F238E27FC236}">
+                <a16:creationId xmlns:a16="http://schemas.microsoft.com/office/drawing/2014/main" id="{359CEC61-F44B-43B3-B40F-AE38C5AF1D5F}"/>
+              </a:ext>
+              <a:ext uri="{C183D7F6-B498-43B3-948B-1728B52AA6E4}">
+                <adec:decorative xmlns:adec="http://schemas.microsoft.com/office/drawing/2017/decorative" val="1"/>
+              </a:ext>
+            </a:extLst>
+          </p:cNvPr>
+          <p:cNvSpPr>
+            <a:spLocks noGrp="1" noRot="1" noChangeAspect="1" noMove="1" noResize="1" noEditPoints="1" noAdjustHandles="1" noChangeArrowheads="1" noChangeShapeType="1" noTextEdit="1"/>
+          </p:cNvSpPr>
+          <p:nvPr>
+            <p:extLst>
+              <p:ext uri="{386F3935-93C4-4BCD-93E2-E3B085C9AB24}">
+                <p16:designElem xmlns:p16="http://schemas.microsoft.com/office/powerpoint/2015/main" val="1"/>
+              </p:ext>
+            </p:extLst>
+          </p:nvPr>
+        </p:nvSpPr>
+        <p:spPr>
+          <a:xfrm>
+            <a:off x="0" y="6400800"/>
+            <a:ext cx="12192000" cy="457200"/>
+          </a:xfrm>
+          <a:prstGeom prst="rect">
+            <a:avLst/>
+          </a:prstGeom>
+          <a:solidFill>
+            <a:srgbClr val="262626"/>
+          </a:solidFill>
+          <a:ln>
+            <a:noFill/>
+          </a:ln>
+        </p:spPr>
+        <p:style>
+          <a:lnRef idx="2">
+            <a:schemeClr val="accent1">
+              <a:shade val="50000"/>
+            </a:schemeClr>
+          </a:lnRef>
+          <a:fillRef idx="1">
+            <a:schemeClr val="accent1"/>
+          </a:fillRef>
+          <a:effectRef idx="0">
+            <a:schemeClr val="accent1"/>
+          </a:effectRef>
+          <a:fontRef idx="minor">
+            <a:schemeClr val="lt1"/>
+          </a:fontRef>
+        </p:style>
+      </p:sp>
+      <p:pic>
+        <p:nvPicPr>
+          <p:cNvPr id="5" name="Picture 4">
+            <a:extLst>
+              <a:ext uri="{FF2B5EF4-FFF2-40B4-BE49-F238E27FC236}">
+                <a16:creationId xmlns:a16="http://schemas.microsoft.com/office/drawing/2014/main" id="{0127E418-20E4-F858-960D-75F894FD9A88}"/>
+              </a:ext>
+            </a:extLst>
+          </p:cNvPr>
+          <p:cNvPicPr>
+            <a:picLocks noChangeAspect="1"/>
+          </p:cNvPicPr>
+          <p:nvPr/>
+        </p:nvPicPr>
+        <p:blipFill>
+          <a:blip r:embed="rId2"/>
+          <a:stretch>
+            <a:fillRect/>
+          </a:stretch>
+        </p:blipFill>
+        <p:spPr>
+          <a:xfrm>
+            <a:off x="4160216" y="3013453"/>
+            <a:ext cx="2886593" cy="2854960"/>
+          </a:xfrm>
+          <a:prstGeom prst="rect">
+            <a:avLst/>
+          </a:prstGeom>
+        </p:spPr>
+      </p:pic>
+      <p:pic>
+        <p:nvPicPr>
+          <p:cNvPr id="7" name="Picture 6">
+            <a:extLst>
+              <a:ext uri="{FF2B5EF4-FFF2-40B4-BE49-F238E27FC236}">
+                <a16:creationId xmlns:a16="http://schemas.microsoft.com/office/drawing/2014/main" id="{542DB20F-4B68-9B31-CE60-DCFA21DB0520}"/>
+              </a:ext>
+            </a:extLst>
+          </p:cNvPr>
+          <p:cNvPicPr>
+            <a:picLocks noChangeAspect="1"/>
+          </p:cNvPicPr>
+          <p:nvPr/>
+        </p:nvPicPr>
+        <p:blipFill>
+          <a:blip r:embed="rId3"/>
+          <a:stretch>
+            <a:fillRect/>
+          </a:stretch>
+        </p:blipFill>
+        <p:spPr>
+          <a:xfrm>
+            <a:off x="7437787" y="2044170"/>
+            <a:ext cx="2757957" cy="2769660"/>
+          </a:xfrm>
+          <a:prstGeom prst="rect">
+            <a:avLst/>
+          </a:prstGeom>
+        </p:spPr>
+      </p:pic>
+      <p:sp>
+        <p:nvSpPr>
+          <p:cNvPr id="9" name="TextBox 8">
+            <a:extLst>
+              <a:ext uri="{FF2B5EF4-FFF2-40B4-BE49-F238E27FC236}">
+                <a16:creationId xmlns:a16="http://schemas.microsoft.com/office/drawing/2014/main" id="{D8559D88-C72F-8DA4-8F3B-C6AEB7C936F3}"/>
+              </a:ext>
+            </a:extLst>
+          </p:cNvPr>
+          <p:cNvSpPr txBox="1"/>
+          <p:nvPr/>
+        </p:nvSpPr>
+        <p:spPr>
+          <a:xfrm>
+            <a:off x="9418320" y="5095240"/>
+            <a:ext cx="2458720" cy="923330"/>
+          </a:xfrm>
+          <a:prstGeom prst="rect">
+            <a:avLst/>
+          </a:prstGeom>
+          <a:noFill/>
+        </p:spPr>
+        <p:txBody>
+          <a:bodyPr wrap="square" rtlCol="0">
+            <a:spAutoFit/>
+          </a:bodyPr>
+          <a:lstStyle/>
+          <a:p>
+            <a:r>
+              <a:rPr lang="de-DE" dirty="0"/>
+              <a:t>Hier müsste ein </a:t>
+            </a:r>
+            <a:r>
+              <a:rPr lang="de-DE" dirty="0" err="1"/>
+              <a:t>histogramm</a:t>
+            </a:r>
+            <a:r>
+              <a:rPr lang="de-DE" dirty="0"/>
+              <a:t> sein..</a:t>
+            </a:r>
+            <a:r>
+              <a:rPr lang="de-DE" dirty="0">
+                <a:sym typeface="Wingdings" panose="05000000000000000000" pitchFamily="2" charset="2"/>
+              </a:rPr>
+              <a:t></a:t>
+            </a:r>
+          </a:p>
+          <a:p>
+            <a:r>
+              <a:rPr lang="de-DE" dirty="0">
+                <a:sym typeface="Wingdings" panose="05000000000000000000" pitchFamily="2" charset="2"/>
+              </a:rPr>
+              <a:t>(in </a:t>
+            </a:r>
+            <a:r>
+              <a:rPr lang="de-DE" dirty="0" err="1">
+                <a:sym typeface="Wingdings" panose="05000000000000000000" pitchFamily="2" charset="2"/>
+              </a:rPr>
+              <a:t>arbeit</a:t>
+            </a:r>
+            <a:r>
+              <a:rPr lang="de-DE" dirty="0">
+                <a:sym typeface="Wingdings" panose="05000000000000000000" pitchFamily="2" charset="2"/>
+              </a:rPr>
+              <a:t>)</a:t>
+            </a:r>
+            <a:endParaRPr lang="de-DE" dirty="0"/>
+          </a:p>
+        </p:txBody>
+      </p:sp>
     </p:spTree>
     <p:extLst>
       <p:ext uri="{BB962C8B-B14F-4D97-AF65-F5344CB8AC3E}">
         <p14:creationId xmlns:p14="http://schemas.microsoft.com/office/powerpoint/2010/main" val="4004293134"/>
+      </p:ext>
+    </p:extLst>
+  </p:cSld>
+  <p:clrMapOvr>
+    <a:masterClrMapping/>
+  </p:clrMapOvr>
+</p:sld>
+</file>
+
+<file path=ppt/slides/slide4.xml><?xml version="1.0" encoding="utf-8"?>
+<p:sld xmlns:a="http://schemas.openxmlformats.org/drawingml/2006/main" xmlns:r="http://schemas.openxmlformats.org/officeDocument/2006/relationships" xmlns:p="http://schemas.openxmlformats.org/presentationml/2006/main">
+  <p:cSld>
+    <p:bg>
+      <p:bgPr>
+        <a:solidFill>
+          <a:schemeClr val="bg1"/>
+        </a:solidFill>
+        <a:effectLst/>
+      </p:bgPr>
+    </p:bg>
+    <p:spTree>
+      <p:nvGrpSpPr>
+        <p:cNvPr id="1" name=""/>
+        <p:cNvGrpSpPr/>
+        <p:nvPr/>
+      </p:nvGrpSpPr>
+      <p:grpSpPr>
+        <a:xfrm>
+          <a:off x="0" y="0"/>
+          <a:ext cx="0" cy="0"/>
+          <a:chOff x="0" y="0"/>
+          <a:chExt cx="0" cy="0"/>
+        </a:xfrm>
+      </p:grpSpPr>
+      <p:sp useBgFill="1">
+        <p:nvSpPr>
+          <p:cNvPr id="8" name="Rectangle 7">
+            <a:extLst>
+              <a:ext uri="{FF2B5EF4-FFF2-40B4-BE49-F238E27FC236}">
+                <a16:creationId xmlns:a16="http://schemas.microsoft.com/office/drawing/2014/main" id="{3558DB37-9FEE-48A2-8578-ED0401573943}"/>
+              </a:ext>
+              <a:ext uri="{C183D7F6-B498-43B3-948B-1728B52AA6E4}">
+                <adec:decorative xmlns:adec="http://schemas.microsoft.com/office/drawing/2017/decorative" val="1"/>
+              </a:ext>
+            </a:extLst>
+          </p:cNvPr>
+          <p:cNvSpPr>
+            <a:spLocks noGrp="1" noRot="1" noChangeAspect="1" noMove="1" noResize="1" noEditPoints="1" noAdjustHandles="1" noChangeArrowheads="1" noChangeShapeType="1" noTextEdit="1"/>
+          </p:cNvSpPr>
+          <p:nvPr>
+            <p:extLst>
+              <p:ext uri="{386F3935-93C4-4BCD-93E2-E3B085C9AB24}">
+                <p16:designElem xmlns:p16="http://schemas.microsoft.com/office/powerpoint/2015/main" val="1"/>
+              </p:ext>
+            </p:extLst>
+          </p:nvPr>
+        </p:nvSpPr>
+        <p:spPr>
+          <a:xfrm>
+            <a:off x="1507" y="0"/>
+            <a:ext cx="12192000" cy="6858000"/>
+          </a:xfrm>
+          <a:prstGeom prst="rect">
+            <a:avLst/>
+          </a:prstGeom>
+          <a:ln>
+            <a:noFill/>
+          </a:ln>
+        </p:spPr>
+        <p:style>
+          <a:lnRef idx="2">
+            <a:schemeClr val="accent1">
+              <a:shade val="50000"/>
+            </a:schemeClr>
+          </a:lnRef>
+          <a:fillRef idx="1">
+            <a:schemeClr val="accent1"/>
+          </a:fillRef>
+          <a:effectRef idx="0">
+            <a:schemeClr val="accent1"/>
+          </a:effectRef>
+          <a:fontRef idx="minor">
+            <a:schemeClr val="lt1"/>
+          </a:fontRef>
+        </p:style>
+        <p:txBody>
+          <a:bodyPr rtlCol="0" anchor="ctr"/>
+          <a:lstStyle/>
+          <a:p>
+            <a:pPr algn="ctr"/>
+            <a:endParaRPr lang="en-US"/>
+          </a:p>
+        </p:txBody>
+      </p:sp>
+      <p:sp>
+        <p:nvSpPr>
+          <p:cNvPr id="10" name="Rectangle 9">
+            <a:extLst>
+              <a:ext uri="{FF2B5EF4-FFF2-40B4-BE49-F238E27FC236}">
+                <a16:creationId xmlns:a16="http://schemas.microsoft.com/office/drawing/2014/main" id="{5F7FCCA6-00E2-4F74-A105-0D769872F243}"/>
+              </a:ext>
+              <a:ext uri="{C183D7F6-B498-43B3-948B-1728B52AA6E4}">
+                <adec:decorative xmlns:adec="http://schemas.microsoft.com/office/drawing/2017/decorative" val="1"/>
+              </a:ext>
+            </a:extLst>
+          </p:cNvPr>
+          <p:cNvSpPr>
+            <a:spLocks noGrp="1" noRot="1" noChangeAspect="1" noMove="1" noResize="1" noEditPoints="1" noAdjustHandles="1" noChangeArrowheads="1" noChangeShapeType="1" noTextEdit="1"/>
+          </p:cNvSpPr>
+          <p:nvPr>
+            <p:extLst>
+              <p:ext uri="{386F3935-93C4-4BCD-93E2-E3B085C9AB24}">
+                <p16:designElem xmlns:p16="http://schemas.microsoft.com/office/powerpoint/2015/main" val="1"/>
+              </p:ext>
+            </p:extLst>
+          </p:nvPr>
+        </p:nvSpPr>
+        <p:spPr bwMode="white">
+          <a:xfrm>
+            <a:off x="1507" y="0"/>
+            <a:ext cx="12188952" cy="1905000"/>
+          </a:xfrm>
+          <a:prstGeom prst="rect">
+            <a:avLst/>
+          </a:prstGeom>
+          <a:solidFill>
+            <a:srgbClr val="262626"/>
+          </a:solidFill>
+          <a:ln>
+            <a:noFill/>
+          </a:ln>
+        </p:spPr>
+        <p:style>
+          <a:lnRef idx="2">
+            <a:schemeClr val="accent1">
+              <a:shade val="50000"/>
+            </a:schemeClr>
+          </a:lnRef>
+          <a:fillRef idx="1">
+            <a:schemeClr val="accent1"/>
+          </a:fillRef>
+          <a:effectRef idx="0">
+            <a:schemeClr val="accent1"/>
+          </a:effectRef>
+          <a:fontRef idx="minor">
+            <a:schemeClr val="lt1"/>
+          </a:fontRef>
+        </p:style>
+      </p:sp>
+      <p:sp>
+        <p:nvSpPr>
+          <p:cNvPr id="2" name="Title 1">
+            <a:extLst>
+              <a:ext uri="{FF2B5EF4-FFF2-40B4-BE49-F238E27FC236}">
+                <a16:creationId xmlns:a16="http://schemas.microsoft.com/office/drawing/2014/main" id="{0B41229E-437C-A902-CB1B-F578467B7409}"/>
+              </a:ext>
+            </a:extLst>
+          </p:cNvPr>
+          <p:cNvSpPr>
+            <a:spLocks noGrp="1"/>
+          </p:cNvSpPr>
+          <p:nvPr>
+            <p:ph type="title"/>
+          </p:nvPr>
+        </p:nvSpPr>
+        <p:spPr>
+          <a:xfrm>
+            <a:off x="1097280" y="286603"/>
+            <a:ext cx="10058400" cy="1450757"/>
+          </a:xfrm>
+        </p:spPr>
+        <p:txBody>
+          <a:bodyPr anchor="ctr">
+            <a:normAutofit fontScale="90000"/>
+          </a:bodyPr>
+          <a:lstStyle/>
+          <a:p>
+            <a:pPr algn="ctr"/>
+            <a:br>
+              <a:rPr lang="de-DE" dirty="0">
+                <a:solidFill>
+                  <a:srgbClr val="FFFFFF"/>
+                </a:solidFill>
+              </a:rPr>
+            </a:br>
+            <a:r>
+              <a:rPr lang="de-DE" dirty="0">
+                <a:solidFill>
+                  <a:srgbClr val="FFFFFF"/>
+                </a:solidFill>
+              </a:rPr>
+              <a:t>NIH3T3</a:t>
+            </a:r>
+            <a:br>
+              <a:rPr lang="de-DE" dirty="0">
+                <a:solidFill>
+                  <a:srgbClr val="FFFFFF"/>
+                </a:solidFill>
+              </a:rPr>
+            </a:br>
+            <a:r>
+              <a:rPr lang="en-GB" sz="2200" dirty="0">
+                <a:solidFill>
+                  <a:schemeClr val="bg1"/>
+                </a:solidFill>
+                <a:latin typeface="Calibri" panose="020F0502020204030204" pitchFamily="34" charset="0"/>
+                <a:cs typeface="Times New Roman" panose="02020603050405020304" pitchFamily="18" charset="0"/>
+              </a:rPr>
+              <a:t>Mouse embryonic cells stained with Hoechst</a:t>
+            </a:r>
+            <a:br>
+              <a:rPr lang="de-DE" sz="2200" dirty="0">
+                <a:solidFill>
+                  <a:schemeClr val="bg1"/>
+                </a:solidFill>
+                <a:latin typeface="Calibri" panose="020F0502020204030204" pitchFamily="34" charset="0"/>
+                <a:cs typeface="Times New Roman" panose="02020603050405020304" pitchFamily="18" charset="0"/>
+              </a:rPr>
+            </a:br>
+            <a:endParaRPr lang="de-DE" sz="2200" dirty="0">
+              <a:solidFill>
+                <a:schemeClr val="bg1"/>
+              </a:solidFill>
+              <a:latin typeface="Calibri" panose="020F0502020204030204" pitchFamily="34" charset="0"/>
+              <a:cs typeface="Times New Roman" panose="02020603050405020304" pitchFamily="18" charset="0"/>
+            </a:endParaRPr>
+          </a:p>
+        </p:txBody>
+      </p:sp>
+      <p:sp>
+        <p:nvSpPr>
+          <p:cNvPr id="3" name="Content Placeholder 2">
+            <a:extLst>
+              <a:ext uri="{FF2B5EF4-FFF2-40B4-BE49-F238E27FC236}">
+                <a16:creationId xmlns:a16="http://schemas.microsoft.com/office/drawing/2014/main" id="{39C44881-04CF-F2E4-1376-92F222097E9B}"/>
+              </a:ext>
+            </a:extLst>
+          </p:cNvPr>
+          <p:cNvSpPr>
+            <a:spLocks noGrp="1"/>
+          </p:cNvSpPr>
+          <p:nvPr>
+            <p:ph idx="1"/>
+          </p:nvPr>
+        </p:nvSpPr>
+        <p:spPr>
+          <a:xfrm>
+            <a:off x="1096963" y="2675694"/>
+            <a:ext cx="10058400" cy="3193294"/>
+          </a:xfrm>
+        </p:spPr>
+        <p:txBody>
+          <a:bodyPr>
+            <a:normAutofit/>
+          </a:bodyPr>
+          <a:lstStyle/>
+          <a:p>
+            <a:pPr marL="342900" indent="-342900">
+              <a:lnSpc>
+                <a:spcPct val="107000"/>
+              </a:lnSpc>
+              <a:buFont typeface="Symbol" panose="05050102010706020507" pitchFamily="18" charset="2"/>
+              <a:buChar char=""/>
+            </a:pPr>
+            <a:r>
+              <a:rPr lang="en-GB" dirty="0">
+                <a:latin typeface="Calibri" panose="020F0502020204030204" pitchFamily="34" charset="0"/>
+                <a:cs typeface="Times New Roman" panose="02020603050405020304" pitchFamily="18" charset="0"/>
+              </a:rPr>
+              <a:t>18 images total </a:t>
+            </a:r>
+          </a:p>
+          <a:p>
+            <a:pPr marL="342900" lvl="0" indent="-342900">
+              <a:lnSpc>
+                <a:spcPct val="107000"/>
+              </a:lnSpc>
+              <a:buFont typeface="Symbol" panose="05050102010706020507" pitchFamily="18" charset="2"/>
+              <a:buChar char=""/>
+            </a:pPr>
+            <a:r>
+              <a:rPr lang="en-GB" dirty="0">
+                <a:latin typeface="Calibri" panose="020F0502020204030204" pitchFamily="34" charset="0"/>
+                <a:cs typeface="Times New Roman" panose="02020603050405020304" pitchFamily="18" charset="0"/>
+              </a:rPr>
+              <a:t>Size: 1344x1024 pixels</a:t>
+            </a:r>
+            <a:endParaRPr lang="de-DE" dirty="0">
+              <a:latin typeface="Calibri" panose="020F0502020204030204" pitchFamily="34" charset="0"/>
+              <a:cs typeface="Times New Roman" panose="02020603050405020304" pitchFamily="18" charset="0"/>
+            </a:endParaRPr>
+          </a:p>
+          <a:p>
+            <a:pPr marL="342900" lvl="0" indent="-342900">
+              <a:lnSpc>
+                <a:spcPct val="107000"/>
+              </a:lnSpc>
+              <a:spcAft>
+                <a:spcPts val="800"/>
+              </a:spcAft>
+              <a:buFont typeface="Symbol" panose="05050102010706020507" pitchFamily="18" charset="2"/>
+              <a:buChar char=""/>
+            </a:pPr>
+            <a:r>
+              <a:rPr lang="en-GB" dirty="0">
+                <a:latin typeface="Calibri" panose="020F0502020204030204" pitchFamily="34" charset="0"/>
+                <a:cs typeface="Times New Roman" panose="02020603050405020304" pitchFamily="18" charset="0"/>
+              </a:rPr>
+              <a:t>about 60 nuclei per image</a:t>
+            </a:r>
+          </a:p>
+          <a:p>
+            <a:pPr marL="342900" lvl="0" indent="-342900">
+              <a:lnSpc>
+                <a:spcPct val="107000"/>
+              </a:lnSpc>
+              <a:spcAft>
+                <a:spcPts val="800"/>
+              </a:spcAft>
+              <a:buFont typeface="Symbol" panose="05050102010706020507" pitchFamily="18" charset="2"/>
+              <a:buChar char=""/>
+            </a:pPr>
+            <a:r>
+              <a:rPr lang="en-GB" dirty="0">
+                <a:latin typeface="Calibri" panose="020F0502020204030204" pitchFamily="34" charset="0"/>
+                <a:cs typeface="Times New Roman" panose="02020603050405020304" pitchFamily="18" charset="0"/>
+              </a:rPr>
+              <a:t>Challenge:</a:t>
+            </a:r>
+          </a:p>
+          <a:p>
+            <a:pPr marL="342900" lvl="0" indent="-342900">
+              <a:lnSpc>
+                <a:spcPct val="107000"/>
+              </a:lnSpc>
+              <a:spcAft>
+                <a:spcPts val="800"/>
+              </a:spcAft>
+              <a:buFont typeface="Symbol" panose="05050102010706020507" pitchFamily="18" charset="2"/>
+              <a:buChar char=""/>
+            </a:pPr>
+            <a:r>
+              <a:rPr lang="en-GB" dirty="0">
+                <a:latin typeface="Calibri" panose="020F0502020204030204" pitchFamily="34" charset="0"/>
+                <a:cs typeface="Times New Roman" panose="02020603050405020304" pitchFamily="18" charset="0"/>
+              </a:rPr>
+              <a:t>…..</a:t>
+            </a:r>
+            <a:endParaRPr lang="de-DE" dirty="0">
+              <a:latin typeface="Calibri" panose="020F0502020204030204" pitchFamily="34" charset="0"/>
+              <a:cs typeface="Times New Roman" panose="02020603050405020304" pitchFamily="18" charset="0"/>
+            </a:endParaRPr>
+          </a:p>
+          <a:p>
+            <a:endParaRPr lang="de-DE" dirty="0"/>
+          </a:p>
+        </p:txBody>
+      </p:sp>
+      <p:sp>
+        <p:nvSpPr>
+          <p:cNvPr id="12" name="Rectangle 11">
+            <a:extLst>
+              <a:ext uri="{FF2B5EF4-FFF2-40B4-BE49-F238E27FC236}">
+                <a16:creationId xmlns:a16="http://schemas.microsoft.com/office/drawing/2014/main" id="{359CEC61-F44B-43B3-B40F-AE38C5AF1D5F}"/>
+              </a:ext>
+              <a:ext uri="{C183D7F6-B498-43B3-948B-1728B52AA6E4}">
+                <adec:decorative xmlns:adec="http://schemas.microsoft.com/office/drawing/2017/decorative" val="1"/>
+              </a:ext>
+            </a:extLst>
+          </p:cNvPr>
+          <p:cNvSpPr>
+            <a:spLocks noGrp="1" noRot="1" noChangeAspect="1" noMove="1" noResize="1" noEditPoints="1" noAdjustHandles="1" noChangeArrowheads="1" noChangeShapeType="1" noTextEdit="1"/>
+          </p:cNvSpPr>
+          <p:nvPr>
+            <p:extLst>
+              <p:ext uri="{386F3935-93C4-4BCD-93E2-E3B085C9AB24}">
+                <p16:designElem xmlns:p16="http://schemas.microsoft.com/office/powerpoint/2015/main" val="1"/>
+              </p:ext>
+            </p:extLst>
+          </p:nvPr>
+        </p:nvSpPr>
+        <p:spPr>
+          <a:xfrm>
+            <a:off x="0" y="6400800"/>
+            <a:ext cx="12192000" cy="457200"/>
+          </a:xfrm>
+          <a:prstGeom prst="rect">
+            <a:avLst/>
+          </a:prstGeom>
+          <a:solidFill>
+            <a:srgbClr val="262626"/>
+          </a:solidFill>
+          <a:ln>
+            <a:noFill/>
+          </a:ln>
+        </p:spPr>
+        <p:style>
+          <a:lnRef idx="2">
+            <a:schemeClr val="accent1">
+              <a:shade val="50000"/>
+            </a:schemeClr>
+          </a:lnRef>
+          <a:fillRef idx="1">
+            <a:schemeClr val="accent1"/>
+          </a:fillRef>
+          <a:effectRef idx="0">
+            <a:schemeClr val="accent1"/>
+          </a:effectRef>
+          <a:fontRef idx="minor">
+            <a:schemeClr val="lt1"/>
+          </a:fontRef>
+        </p:style>
+      </p:sp>
+      <p:sp>
+        <p:nvSpPr>
+          <p:cNvPr id="4" name="TextBox 3">
+            <a:extLst>
+              <a:ext uri="{FF2B5EF4-FFF2-40B4-BE49-F238E27FC236}">
+                <a16:creationId xmlns:a16="http://schemas.microsoft.com/office/drawing/2014/main" id="{9BD20B2B-9F6A-200D-11EA-804A3D5DBC46}"/>
+              </a:ext>
+            </a:extLst>
+          </p:cNvPr>
+          <p:cNvSpPr txBox="1"/>
+          <p:nvPr/>
+        </p:nvSpPr>
+        <p:spPr>
+          <a:xfrm>
+            <a:off x="6908800" y="3537527"/>
+            <a:ext cx="4470400" cy="369332"/>
+          </a:xfrm>
+          <a:prstGeom prst="rect">
+            <a:avLst/>
+          </a:prstGeom>
+          <a:noFill/>
+        </p:spPr>
+        <p:txBody>
+          <a:bodyPr wrap="square" rtlCol="0">
+            <a:spAutoFit/>
+          </a:bodyPr>
+          <a:lstStyle/>
+          <a:p>
+            <a:r>
+              <a:rPr lang="de-DE" dirty="0"/>
+              <a:t>Bild und </a:t>
+            </a:r>
+            <a:r>
+              <a:rPr lang="de-DE" dirty="0" err="1"/>
+              <a:t>histogramm</a:t>
+            </a:r>
+            <a:endParaRPr lang="de-DE" dirty="0"/>
+          </a:p>
+        </p:txBody>
+      </p:sp>
+    </p:spTree>
+    <p:extLst>
+      <p:ext uri="{BB962C8B-B14F-4D97-AF65-F5344CB8AC3E}">
+        <p14:creationId xmlns:p14="http://schemas.microsoft.com/office/powerpoint/2010/main" val="3735409594"/>
+      </p:ext>
+    </p:extLst>
+  </p:cSld>
+  <p:clrMapOvr>
+    <a:masterClrMapping/>
+  </p:clrMapOvr>
+</p:sld>
+</file>
+
+<file path=ppt/slides/slide5.xml><?xml version="1.0" encoding="utf-8"?>
+<p:sld xmlns:a="http://schemas.openxmlformats.org/drawingml/2006/main" xmlns:r="http://schemas.openxmlformats.org/officeDocument/2006/relationships" xmlns:p="http://schemas.openxmlformats.org/presentationml/2006/main">
+  <p:cSld>
+    <p:bg>
+      <p:bgPr>
+        <a:solidFill>
+          <a:schemeClr val="bg1"/>
+        </a:solidFill>
+        <a:effectLst/>
+      </p:bgPr>
+    </p:bg>
+    <p:spTree>
+      <p:nvGrpSpPr>
+        <p:cNvPr id="1" name=""/>
+        <p:cNvGrpSpPr/>
+        <p:nvPr/>
+      </p:nvGrpSpPr>
+      <p:grpSpPr>
+        <a:xfrm>
+          <a:off x="0" y="0"/>
+          <a:ext cx="0" cy="0"/>
+          <a:chOff x="0" y="0"/>
+          <a:chExt cx="0" cy="0"/>
+        </a:xfrm>
+      </p:grpSpPr>
+      <p:sp useBgFill="1">
+        <p:nvSpPr>
+          <p:cNvPr id="8" name="Rectangle 7">
+            <a:extLst>
+              <a:ext uri="{FF2B5EF4-FFF2-40B4-BE49-F238E27FC236}">
+                <a16:creationId xmlns:a16="http://schemas.microsoft.com/office/drawing/2014/main" id="{3558DB37-9FEE-48A2-8578-ED0401573943}"/>
+              </a:ext>
+              <a:ext uri="{C183D7F6-B498-43B3-948B-1728B52AA6E4}">
+                <adec:decorative xmlns:adec="http://schemas.microsoft.com/office/drawing/2017/decorative" val="1"/>
+              </a:ext>
+            </a:extLst>
+          </p:cNvPr>
+          <p:cNvSpPr>
+            <a:spLocks noGrp="1" noRot="1" noChangeAspect="1" noMove="1" noResize="1" noEditPoints="1" noAdjustHandles="1" noChangeArrowheads="1" noChangeShapeType="1" noTextEdit="1"/>
+          </p:cNvSpPr>
+          <p:nvPr>
+            <p:extLst>
+              <p:ext uri="{386F3935-93C4-4BCD-93E2-E3B085C9AB24}">
+                <p16:designElem xmlns:p16="http://schemas.microsoft.com/office/powerpoint/2015/main" val="1"/>
+              </p:ext>
+            </p:extLst>
+          </p:nvPr>
+        </p:nvSpPr>
+        <p:spPr>
+          <a:xfrm>
+            <a:off x="1507" y="0"/>
+            <a:ext cx="12192000" cy="6858000"/>
+          </a:xfrm>
+          <a:prstGeom prst="rect">
+            <a:avLst/>
+          </a:prstGeom>
+          <a:ln>
+            <a:noFill/>
+          </a:ln>
+        </p:spPr>
+        <p:style>
+          <a:lnRef idx="2">
+            <a:schemeClr val="accent1">
+              <a:shade val="50000"/>
+            </a:schemeClr>
+          </a:lnRef>
+          <a:fillRef idx="1">
+            <a:schemeClr val="accent1"/>
+          </a:fillRef>
+          <a:effectRef idx="0">
+            <a:schemeClr val="accent1"/>
+          </a:effectRef>
+          <a:fontRef idx="minor">
+            <a:schemeClr val="lt1"/>
+          </a:fontRef>
+        </p:style>
+        <p:txBody>
+          <a:bodyPr rtlCol="0" anchor="ctr"/>
+          <a:lstStyle/>
+          <a:p>
+            <a:pPr algn="ctr"/>
+            <a:endParaRPr lang="en-US"/>
+          </a:p>
+        </p:txBody>
+      </p:sp>
+      <p:sp>
+        <p:nvSpPr>
+          <p:cNvPr id="10" name="Rectangle 9">
+            <a:extLst>
+              <a:ext uri="{FF2B5EF4-FFF2-40B4-BE49-F238E27FC236}">
+                <a16:creationId xmlns:a16="http://schemas.microsoft.com/office/drawing/2014/main" id="{5F7FCCA6-00E2-4F74-A105-0D769872F243}"/>
+              </a:ext>
+              <a:ext uri="{C183D7F6-B498-43B3-948B-1728B52AA6E4}">
+                <adec:decorative xmlns:adec="http://schemas.microsoft.com/office/drawing/2017/decorative" val="1"/>
+              </a:ext>
+            </a:extLst>
+          </p:cNvPr>
+          <p:cNvSpPr>
+            <a:spLocks noGrp="1" noRot="1" noChangeAspect="1" noMove="1" noResize="1" noEditPoints="1" noAdjustHandles="1" noChangeArrowheads="1" noChangeShapeType="1" noTextEdit="1"/>
+          </p:cNvSpPr>
+          <p:nvPr>
+            <p:extLst>
+              <p:ext uri="{386F3935-93C4-4BCD-93E2-E3B085C9AB24}">
+                <p16:designElem xmlns:p16="http://schemas.microsoft.com/office/powerpoint/2015/main" val="1"/>
+              </p:ext>
+            </p:extLst>
+          </p:nvPr>
+        </p:nvSpPr>
+        <p:spPr bwMode="white">
+          <a:xfrm>
+            <a:off x="1507" y="0"/>
+            <a:ext cx="12188952" cy="1905000"/>
+          </a:xfrm>
+          <a:prstGeom prst="rect">
+            <a:avLst/>
+          </a:prstGeom>
+          <a:solidFill>
+            <a:srgbClr val="262626"/>
+          </a:solidFill>
+          <a:ln>
+            <a:noFill/>
+          </a:ln>
+        </p:spPr>
+        <p:style>
+          <a:lnRef idx="2">
+            <a:schemeClr val="accent1">
+              <a:shade val="50000"/>
+            </a:schemeClr>
+          </a:lnRef>
+          <a:fillRef idx="1">
+            <a:schemeClr val="accent1"/>
+          </a:fillRef>
+          <a:effectRef idx="0">
+            <a:schemeClr val="accent1"/>
+          </a:effectRef>
+          <a:fontRef idx="minor">
+            <a:schemeClr val="lt1"/>
+          </a:fontRef>
+        </p:style>
+      </p:sp>
+      <p:sp>
+        <p:nvSpPr>
+          <p:cNvPr id="2" name="Title 1">
+            <a:extLst>
+              <a:ext uri="{FF2B5EF4-FFF2-40B4-BE49-F238E27FC236}">
+                <a16:creationId xmlns:a16="http://schemas.microsoft.com/office/drawing/2014/main" id="{541E029F-6079-FC20-A884-9D8DA0333192}"/>
+              </a:ext>
+            </a:extLst>
+          </p:cNvPr>
+          <p:cNvSpPr>
+            <a:spLocks noGrp="1"/>
+          </p:cNvSpPr>
+          <p:nvPr>
+            <p:ph type="title"/>
+          </p:nvPr>
+        </p:nvSpPr>
+        <p:spPr>
+          <a:xfrm>
+            <a:off x="1097280" y="286603"/>
+            <a:ext cx="10058400" cy="1450757"/>
+          </a:xfrm>
+        </p:spPr>
+        <p:txBody>
+          <a:bodyPr anchor="ctr">
+            <a:normAutofit fontScale="90000"/>
+          </a:bodyPr>
+          <a:lstStyle/>
+          <a:p>
+            <a:pPr algn="ctr"/>
+            <a:br>
+              <a:rPr lang="en-GB" sz="4300" dirty="0">
+                <a:solidFill>
+                  <a:schemeClr val="bg1"/>
+                </a:solidFill>
+                <a:latin typeface="Calibri" panose="020F0502020204030204" pitchFamily="34" charset="0"/>
+                <a:cs typeface="Times New Roman" panose="02020603050405020304" pitchFamily="18" charset="0"/>
+              </a:rPr>
+            </a:br>
+            <a:r>
+              <a:rPr lang="en-GB" sz="4300" dirty="0">
+                <a:solidFill>
+                  <a:schemeClr val="bg1"/>
+                </a:solidFill>
+                <a:latin typeface="Calibri" panose="020F0502020204030204" pitchFamily="34" charset="0"/>
+                <a:cs typeface="Times New Roman" panose="02020603050405020304" pitchFamily="18" charset="0"/>
+              </a:rPr>
+              <a:t>N2DL-HeLa</a:t>
+            </a:r>
+            <a:br>
+              <a:rPr lang="en-GB" sz="4300" dirty="0">
+                <a:solidFill>
+                  <a:schemeClr val="bg1"/>
+                </a:solidFill>
+                <a:latin typeface="Calibri" panose="020F0502020204030204" pitchFamily="34" charset="0"/>
+                <a:cs typeface="Times New Roman" panose="02020603050405020304" pitchFamily="18" charset="0"/>
+              </a:rPr>
+            </a:br>
+            <a:r>
+              <a:rPr lang="en-GB" sz="2200" dirty="0">
+                <a:solidFill>
+                  <a:schemeClr val="bg1"/>
+                </a:solidFill>
+                <a:latin typeface="Calibri" panose="020F0502020204030204" pitchFamily="34" charset="0"/>
+                <a:cs typeface="Times New Roman" panose="02020603050405020304" pitchFamily="18" charset="0"/>
+              </a:rPr>
+              <a:t>HeLa</a:t>
+            </a:r>
+            <a:r>
+              <a:rPr lang="en-GB" sz="1800" dirty="0">
+                <a:effectLst/>
+                <a:latin typeface="Calibri" panose="020F0502020204030204" pitchFamily="34" charset="0"/>
+                <a:ea typeface="Calibri" panose="020F0502020204030204" pitchFamily="34" charset="0"/>
+                <a:cs typeface="Times New Roman" panose="02020603050405020304" pitchFamily="18" charset="0"/>
+              </a:rPr>
+              <a:t> </a:t>
+            </a:r>
+            <a:r>
+              <a:rPr lang="en-GB" sz="2200" dirty="0">
+                <a:solidFill>
+                  <a:schemeClr val="bg1"/>
+                </a:solidFill>
+                <a:latin typeface="Calibri" panose="020F0502020204030204" pitchFamily="34" charset="0"/>
+                <a:cs typeface="Times New Roman" panose="02020603050405020304" pitchFamily="18" charset="0"/>
+              </a:rPr>
+              <a:t>cells stably expressing H2b-GFP</a:t>
+            </a:r>
+            <a:br>
+              <a:rPr lang="de-DE" sz="1800" dirty="0">
+                <a:effectLst/>
+                <a:latin typeface="Calibri" panose="020F0502020204030204" pitchFamily="34" charset="0"/>
+                <a:ea typeface="Calibri" panose="020F0502020204030204" pitchFamily="34" charset="0"/>
+                <a:cs typeface="Times New Roman" panose="02020603050405020304" pitchFamily="18" charset="0"/>
+              </a:rPr>
+            </a:br>
+            <a:br>
+              <a:rPr lang="de-DE" sz="1800" dirty="0">
+                <a:solidFill>
+                  <a:schemeClr val="bg1"/>
+                </a:solidFill>
+                <a:effectLst/>
+                <a:latin typeface="Calibri" panose="020F0502020204030204" pitchFamily="34" charset="0"/>
+                <a:ea typeface="Calibri" panose="020F0502020204030204" pitchFamily="34" charset="0"/>
+                <a:cs typeface="Times New Roman" panose="02020603050405020304" pitchFamily="18" charset="0"/>
+              </a:rPr>
+            </a:br>
+            <a:endParaRPr lang="de-DE" dirty="0">
+              <a:solidFill>
+                <a:schemeClr val="bg1"/>
+              </a:solidFill>
+            </a:endParaRPr>
+          </a:p>
+        </p:txBody>
+      </p:sp>
+      <p:sp>
+        <p:nvSpPr>
+          <p:cNvPr id="3" name="Content Placeholder 2">
+            <a:extLst>
+              <a:ext uri="{FF2B5EF4-FFF2-40B4-BE49-F238E27FC236}">
+                <a16:creationId xmlns:a16="http://schemas.microsoft.com/office/drawing/2014/main" id="{F39FAB60-692F-C0C6-A222-BC3C4D57B72B}"/>
+              </a:ext>
+            </a:extLst>
+          </p:cNvPr>
+          <p:cNvSpPr>
+            <a:spLocks noGrp="1"/>
+          </p:cNvSpPr>
+          <p:nvPr>
+            <p:ph idx="1"/>
+          </p:nvPr>
+        </p:nvSpPr>
+        <p:spPr>
+          <a:xfrm>
+            <a:off x="1096963" y="2675694"/>
+            <a:ext cx="10058400" cy="3193294"/>
+          </a:xfrm>
+        </p:spPr>
+        <p:txBody>
+          <a:bodyPr>
+            <a:normAutofit/>
+          </a:bodyPr>
+          <a:lstStyle/>
+          <a:p>
+            <a:pPr marL="342900" indent="-342900">
+              <a:lnSpc>
+                <a:spcPct val="107000"/>
+              </a:lnSpc>
+              <a:buFont typeface="Symbol" panose="05050102010706020507" pitchFamily="18" charset="2"/>
+              <a:buChar char=""/>
+            </a:pPr>
+            <a:r>
+              <a:rPr lang="en-GB" sz="1800" dirty="0">
+                <a:effectLst/>
+                <a:latin typeface="Calibri" panose="020F0502020204030204" pitchFamily="34" charset="0"/>
+                <a:ea typeface="Calibri" panose="020F0502020204030204" pitchFamily="34" charset="0"/>
+                <a:cs typeface="Times New Roman" panose="02020603050405020304" pitchFamily="18" charset="0"/>
+              </a:rPr>
+              <a:t>4 images total</a:t>
+            </a:r>
+          </a:p>
+          <a:p>
+            <a:pPr marL="342900" lvl="0" indent="-342900">
+              <a:lnSpc>
+                <a:spcPct val="107000"/>
+              </a:lnSpc>
+              <a:buFont typeface="Symbol" panose="05050102010706020507" pitchFamily="18" charset="2"/>
+              <a:buChar char=""/>
+            </a:pPr>
+            <a:r>
+              <a:rPr lang="en-GB" sz="1800" dirty="0">
+                <a:effectLst/>
+                <a:latin typeface="Calibri" panose="020F0502020204030204" pitchFamily="34" charset="0"/>
+                <a:ea typeface="Calibri" panose="020F0502020204030204" pitchFamily="34" charset="0"/>
+                <a:cs typeface="Times New Roman" panose="02020603050405020304" pitchFamily="18" charset="0"/>
+              </a:rPr>
+              <a:t>Size: 1100x 700 pixels</a:t>
+            </a:r>
+            <a:endParaRPr lang="de-DE" sz="1800" dirty="0">
+              <a:effectLst/>
+              <a:latin typeface="Calibri" panose="020F0502020204030204" pitchFamily="34" charset="0"/>
+              <a:ea typeface="Calibri" panose="020F0502020204030204" pitchFamily="34" charset="0"/>
+              <a:cs typeface="Times New Roman" panose="02020603050405020304" pitchFamily="18" charset="0"/>
+            </a:endParaRPr>
+          </a:p>
+          <a:p>
+            <a:pPr marL="342900" lvl="0" indent="-342900">
+              <a:lnSpc>
+                <a:spcPct val="107000"/>
+              </a:lnSpc>
+              <a:spcAft>
+                <a:spcPts val="800"/>
+              </a:spcAft>
+              <a:buFont typeface="Symbol" panose="05050102010706020507" pitchFamily="18" charset="2"/>
+              <a:buChar char=""/>
+            </a:pPr>
+            <a:r>
+              <a:rPr lang="en-GB" sz="1800" dirty="0">
+                <a:effectLst/>
+                <a:latin typeface="Calibri" panose="020F0502020204030204" pitchFamily="34" charset="0"/>
+                <a:ea typeface="Calibri" panose="020F0502020204030204" pitchFamily="34" charset="0"/>
+                <a:cs typeface="Times New Roman" panose="02020603050405020304" pitchFamily="18" charset="0"/>
+              </a:rPr>
+              <a:t>30-50 nuclei per image</a:t>
+            </a:r>
+          </a:p>
+          <a:p>
+            <a:pPr marL="342900" lvl="0" indent="-342900">
+              <a:lnSpc>
+                <a:spcPct val="107000"/>
+              </a:lnSpc>
+              <a:spcAft>
+                <a:spcPts val="800"/>
+              </a:spcAft>
+              <a:buFont typeface="Symbol" panose="05050102010706020507" pitchFamily="18" charset="2"/>
+              <a:buChar char=""/>
+            </a:pPr>
+            <a:r>
+              <a:rPr lang="en-GB" sz="1800" dirty="0">
+                <a:latin typeface="Calibri" panose="020F0502020204030204" pitchFamily="34" charset="0"/>
+                <a:ea typeface="Calibri" panose="020F0502020204030204" pitchFamily="34" charset="0"/>
+                <a:cs typeface="Times New Roman" panose="02020603050405020304" pitchFamily="18" charset="0"/>
+              </a:rPr>
+              <a:t>Challenge:</a:t>
+            </a:r>
+          </a:p>
+          <a:p>
+            <a:pPr marL="342900" lvl="0" indent="-342900">
+              <a:lnSpc>
+                <a:spcPct val="107000"/>
+              </a:lnSpc>
+              <a:spcAft>
+                <a:spcPts val="800"/>
+              </a:spcAft>
+              <a:buFont typeface="Symbol" panose="05050102010706020507" pitchFamily="18" charset="2"/>
+              <a:buChar char=""/>
+            </a:pPr>
+            <a:r>
+              <a:rPr lang="en-GB" sz="1800" dirty="0">
+                <a:effectLst/>
+                <a:latin typeface="Calibri" panose="020F0502020204030204" pitchFamily="34" charset="0"/>
+                <a:ea typeface="Calibri" panose="020F0502020204030204" pitchFamily="34" charset="0"/>
+                <a:cs typeface="Times New Roman" panose="02020603050405020304" pitchFamily="18" charset="0"/>
+              </a:rPr>
+              <a:t>….</a:t>
+            </a:r>
+            <a:endParaRPr lang="de-DE" sz="1800" dirty="0">
+              <a:effectLst/>
+              <a:latin typeface="Calibri" panose="020F0502020204030204" pitchFamily="34" charset="0"/>
+              <a:ea typeface="Calibri" panose="020F0502020204030204" pitchFamily="34" charset="0"/>
+              <a:cs typeface="Times New Roman" panose="02020603050405020304" pitchFamily="18" charset="0"/>
+            </a:endParaRPr>
+          </a:p>
+          <a:p>
+            <a:endParaRPr lang="de-DE" dirty="0"/>
+          </a:p>
+        </p:txBody>
+      </p:sp>
+      <p:sp>
+        <p:nvSpPr>
+          <p:cNvPr id="12" name="Rectangle 11">
+            <a:extLst>
+              <a:ext uri="{FF2B5EF4-FFF2-40B4-BE49-F238E27FC236}">
+                <a16:creationId xmlns:a16="http://schemas.microsoft.com/office/drawing/2014/main" id="{359CEC61-F44B-43B3-B40F-AE38C5AF1D5F}"/>
+              </a:ext>
+              <a:ext uri="{C183D7F6-B498-43B3-948B-1728B52AA6E4}">
+                <adec:decorative xmlns:adec="http://schemas.microsoft.com/office/drawing/2017/decorative" val="1"/>
+              </a:ext>
+            </a:extLst>
+          </p:cNvPr>
+          <p:cNvSpPr>
+            <a:spLocks noGrp="1" noRot="1" noChangeAspect="1" noMove="1" noResize="1" noEditPoints="1" noAdjustHandles="1" noChangeArrowheads="1" noChangeShapeType="1" noTextEdit="1"/>
+          </p:cNvSpPr>
+          <p:nvPr>
+            <p:extLst>
+              <p:ext uri="{386F3935-93C4-4BCD-93E2-E3B085C9AB24}">
+                <p16:designElem xmlns:p16="http://schemas.microsoft.com/office/powerpoint/2015/main" val="1"/>
+              </p:ext>
+            </p:extLst>
+          </p:nvPr>
+        </p:nvSpPr>
+        <p:spPr>
+          <a:xfrm>
+            <a:off x="0" y="6400800"/>
+            <a:ext cx="12192000" cy="457200"/>
+          </a:xfrm>
+          <a:prstGeom prst="rect">
+            <a:avLst/>
+          </a:prstGeom>
+          <a:solidFill>
+            <a:srgbClr val="262626"/>
+          </a:solidFill>
+          <a:ln>
+            <a:noFill/>
+          </a:ln>
+        </p:spPr>
+        <p:style>
+          <a:lnRef idx="2">
+            <a:schemeClr val="accent1">
+              <a:shade val="50000"/>
+            </a:schemeClr>
+          </a:lnRef>
+          <a:fillRef idx="1">
+            <a:schemeClr val="accent1"/>
+          </a:fillRef>
+          <a:effectRef idx="0">
+            <a:schemeClr val="accent1"/>
+          </a:effectRef>
+          <a:fontRef idx="minor">
+            <a:schemeClr val="lt1"/>
+          </a:fontRef>
+        </p:style>
+      </p:sp>
+      <p:sp>
+        <p:nvSpPr>
+          <p:cNvPr id="7" name="TextBox 6">
+            <a:extLst>
+              <a:ext uri="{FF2B5EF4-FFF2-40B4-BE49-F238E27FC236}">
+                <a16:creationId xmlns:a16="http://schemas.microsoft.com/office/drawing/2014/main" id="{4EBD52CD-A445-3FF8-954A-06A642A7DCDF}"/>
+              </a:ext>
+            </a:extLst>
+          </p:cNvPr>
+          <p:cNvSpPr txBox="1"/>
+          <p:nvPr/>
+        </p:nvSpPr>
+        <p:spPr>
+          <a:xfrm>
+            <a:off x="6908800" y="3537527"/>
+            <a:ext cx="4470400" cy="369332"/>
+          </a:xfrm>
+          <a:prstGeom prst="rect">
+            <a:avLst/>
+          </a:prstGeom>
+          <a:noFill/>
+        </p:spPr>
+        <p:txBody>
+          <a:bodyPr wrap="square" rtlCol="0">
+            <a:spAutoFit/>
+          </a:bodyPr>
+          <a:lstStyle/>
+          <a:p>
+            <a:r>
+              <a:rPr lang="de-DE" dirty="0"/>
+              <a:t>Bild und </a:t>
+            </a:r>
+            <a:r>
+              <a:rPr lang="de-DE" dirty="0" err="1"/>
+              <a:t>histogramm</a:t>
+            </a:r>
+            <a:endParaRPr lang="de-DE" dirty="0"/>
+          </a:p>
+        </p:txBody>
+      </p:sp>
+    </p:spTree>
+    <p:extLst>
+      <p:ext uri="{BB962C8B-B14F-4D97-AF65-F5344CB8AC3E}">
+        <p14:creationId xmlns:p14="http://schemas.microsoft.com/office/powerpoint/2010/main" val="490536828"/>
+      </p:ext>
+    </p:extLst>
+  </p:cSld>
+  <p:clrMapOvr>
+    <a:masterClrMapping/>
+  </p:clrMapOvr>
+</p:sld>
+</file>
+
+<file path=ppt/slides/slide6.xml><?xml version="1.0" encoding="utf-8"?>
+<p:sld xmlns:a="http://schemas.openxmlformats.org/drawingml/2006/main" xmlns:r="http://schemas.openxmlformats.org/officeDocument/2006/relationships" xmlns:p="http://schemas.openxmlformats.org/presentationml/2006/main">
+  <p:cSld>
+    <p:spTree>
+      <p:nvGrpSpPr>
+        <p:cNvPr id="1" name=""/>
+        <p:cNvGrpSpPr/>
+        <p:nvPr/>
+      </p:nvGrpSpPr>
+      <p:grpSpPr>
+        <a:xfrm>
+          <a:off x="0" y="0"/>
+          <a:ext cx="0" cy="0"/>
+          <a:chOff x="0" y="0"/>
+          <a:chExt cx="0" cy="0"/>
+        </a:xfrm>
+      </p:grpSpPr>
+      <p:sp>
+        <p:nvSpPr>
+          <p:cNvPr id="2" name="Title 1">
+            <a:extLst>
+              <a:ext uri="{FF2B5EF4-FFF2-40B4-BE49-F238E27FC236}">
+                <a16:creationId xmlns:a16="http://schemas.microsoft.com/office/drawing/2014/main" id="{0974F90C-CE64-FB4B-2D66-570D0C2D794B}"/>
+              </a:ext>
+            </a:extLst>
+          </p:cNvPr>
+          <p:cNvSpPr>
+            <a:spLocks noGrp="1"/>
+          </p:cNvSpPr>
+          <p:nvPr>
+            <p:ph type="title"/>
+          </p:nvPr>
+        </p:nvSpPr>
+        <p:spPr/>
+        <p:txBody>
+          <a:bodyPr/>
+          <a:lstStyle/>
+          <a:p>
+            <a:endParaRPr lang="de-DE"/>
+          </a:p>
+        </p:txBody>
+      </p:sp>
+      <p:sp>
+        <p:nvSpPr>
+          <p:cNvPr id="3" name="Content Placeholder 2">
+            <a:extLst>
+              <a:ext uri="{FF2B5EF4-FFF2-40B4-BE49-F238E27FC236}">
+                <a16:creationId xmlns:a16="http://schemas.microsoft.com/office/drawing/2014/main" id="{EE131D5C-ADDA-B321-93A5-E8CE98818277}"/>
+              </a:ext>
+            </a:extLst>
+          </p:cNvPr>
+          <p:cNvSpPr>
+            <a:spLocks noGrp="1"/>
+          </p:cNvSpPr>
+          <p:nvPr>
+            <p:ph idx="1"/>
+          </p:nvPr>
+        </p:nvSpPr>
+        <p:spPr/>
+        <p:txBody>
+          <a:bodyPr/>
+          <a:lstStyle/>
+          <a:p>
+            <a:endParaRPr lang="de-DE"/>
+          </a:p>
+        </p:txBody>
+      </p:sp>
+    </p:spTree>
+    <p:extLst>
+      <p:ext uri="{BB962C8B-B14F-4D97-AF65-F5344CB8AC3E}">
+        <p14:creationId xmlns:p14="http://schemas.microsoft.com/office/powerpoint/2010/main" val="2455599885"/>
       </p:ext>
     </p:extLst>
   </p:cSld>

--- a/presentation/layout.pptx
+++ b/presentation/layout.pptx
@@ -11,6 +11,8 @@
     <p:sldId id="260" r:id="rId5"/>
     <p:sldId id="259" r:id="rId6"/>
     <p:sldId id="261" r:id="rId7"/>
+    <p:sldId id="263" r:id="rId8"/>
+    <p:sldId id="262" r:id="rId9"/>
   </p:sldIdLst>
   <p:sldSz cx="12192000" cy="6858000"/>
   <p:notesSz cx="6858000" cy="9144000"/>
@@ -361,7 +363,7 @@
           <a:p>
             <a:fld id="{9184DA70-C731-4C70-880D-CCD4705E623C}" type="datetime1">
               <a:rPr lang="en-US" smtClean="0"/>
-              <a:t>5/7/2022</a:t>
+              <a:t>5/9/2022</a:t>
             </a:fld>
             <a:endParaRPr lang="en-US" dirty="0"/>
           </a:p>
@@ -549,7 +551,7 @@
           <a:p>
             <a:fld id="{B612A279-0833-481D-8C56-F67FD0AC6C50}" type="datetime1">
               <a:rPr lang="en-US" smtClean="0"/>
-              <a:t>5/7/2022</a:t>
+              <a:t>5/9/2022</a:t>
             </a:fld>
             <a:endParaRPr lang="en-US" dirty="0"/>
           </a:p>
@@ -791,7 +793,7 @@
           <a:p>
             <a:fld id="{6587DA83-5663-4C9C-B9AA-0B40A3DAFF81}" type="datetime1">
               <a:rPr lang="en-US" smtClean="0"/>
-              <a:t>5/7/2022</a:t>
+              <a:t>5/9/2022</a:t>
             </a:fld>
             <a:endParaRPr lang="en-US" dirty="0"/>
           </a:p>
@@ -979,7 +981,7 @@
           <a:p>
             <a:fld id="{4BE1D723-8F53-4F53-90B0-1982A396982E}" type="datetime1">
               <a:rPr lang="en-US" smtClean="0"/>
-              <a:t>5/7/2022</a:t>
+              <a:t>5/9/2022</a:t>
             </a:fld>
             <a:endParaRPr lang="en-US" dirty="0"/>
           </a:p>
@@ -1352,7 +1354,7 @@
           <a:p>
             <a:fld id="{97669AF7-7BEB-44E4-9852-375E34362B5B}" type="datetime1">
               <a:rPr lang="en-US" smtClean="0"/>
-              <a:t>5/7/2022</a:t>
+              <a:t>5/9/2022</a:t>
             </a:fld>
             <a:endParaRPr lang="en-US" dirty="0"/>
           </a:p>
@@ -1607,7 +1609,7 @@
           <a:p>
             <a:fld id="{BAAAC38D-0552-4C82-B593-E6124DFADBE2}" type="datetime1">
               <a:rPr lang="en-US" smtClean="0"/>
-              <a:t>5/7/2022</a:t>
+              <a:t>5/9/2022</a:t>
             </a:fld>
             <a:endParaRPr lang="en-US" dirty="0"/>
           </a:p>
@@ -2004,7 +2006,7 @@
           <a:p>
             <a:fld id="{D9DF0F1C-5577-4ACB-BB62-DF8F3C494C7E}" type="datetime1">
               <a:rPr lang="en-US" smtClean="0"/>
-              <a:t>5/7/2022</a:t>
+              <a:t>5/9/2022</a:t>
             </a:fld>
             <a:endParaRPr lang="en-US" dirty="0"/>
           </a:p>
@@ -2140,7 +2142,7 @@
           <a:p>
             <a:fld id="{1775B394-D9F9-4F0C-B15D-605F45CB9E9F}" type="datetime1">
               <a:rPr lang="en-US" smtClean="0"/>
-              <a:t>5/7/2022</a:t>
+              <a:t>5/9/2022</a:t>
             </a:fld>
             <a:endParaRPr lang="en-US" dirty="0"/>
           </a:p>
@@ -2297,7 +2299,7 @@
           <a:p>
             <a:fld id="{39667345-2558-425A-8533-9BFDBCE15005}" type="datetime1">
               <a:rPr lang="en-US" smtClean="0"/>
-              <a:t>5/7/2022</a:t>
+              <a:t>5/9/2022</a:t>
             </a:fld>
             <a:endParaRPr lang="en-US" dirty="0"/>
           </a:p>
@@ -2626,7 +2628,7 @@
           <a:p>
             <a:fld id="{92BEA474-078D-4E9B-9B14-09A87B19DC46}" type="datetime1">
               <a:rPr lang="en-US" smtClean="0"/>
-              <a:t>5/7/2022</a:t>
+              <a:t>5/9/2022</a:t>
             </a:fld>
             <a:endParaRPr lang="en-US" dirty="0"/>
           </a:p>
@@ -2976,7 +2978,7 @@
           <a:p>
             <a:fld id="{4907D986-8816-4272-A432-0437A28A9828}" type="datetime1">
               <a:rPr lang="en-US" smtClean="0"/>
-              <a:t>5/7/2022</a:t>
+              <a:t>5/9/2022</a:t>
             </a:fld>
             <a:endParaRPr lang="en-US" dirty="0"/>
           </a:p>
@@ -3237,7 +3239,7 @@
           <a:p>
             <a:fld id="{62D6E202-B606-4609-B914-27C9371A1F6D}" type="datetime1">
               <a:rPr lang="en-US" smtClean="0"/>
-              <a:t>5/7/2022</a:t>
+              <a:t>5/9/2022</a:t>
             </a:fld>
             <a:endParaRPr lang="en-US" dirty="0"/>
           </a:p>
@@ -6368,6 +6370,14 @@
 <file path=ppt/slides/slide6.xml><?xml version="1.0" encoding="utf-8"?>
 <p:sld xmlns:a="http://schemas.openxmlformats.org/drawingml/2006/main" xmlns:r="http://schemas.openxmlformats.org/officeDocument/2006/relationships" xmlns:p="http://schemas.openxmlformats.org/presentationml/2006/main">
   <p:cSld>
+    <p:bg>
+      <p:bgPr>
+        <a:solidFill>
+          <a:schemeClr val="bg1"/>
+        </a:solidFill>
+        <a:effectLst/>
+      </p:bgPr>
+    </p:bg>
     <p:spTree>
       <p:nvGrpSpPr>
         <p:cNvPr id="1" name=""/>
@@ -6382,6 +6392,66 @@
           <a:chExt cx="0" cy="0"/>
         </a:xfrm>
       </p:grpSpPr>
+      <p:sp useBgFill="1">
+        <p:nvSpPr>
+          <p:cNvPr id="8" name="Rectangle 7">
+            <a:extLst>
+              <a:ext uri="{FF2B5EF4-FFF2-40B4-BE49-F238E27FC236}">
+                <a16:creationId xmlns:a16="http://schemas.microsoft.com/office/drawing/2014/main" id="{CECF0FC6-D57B-48B6-9036-F4FFD91A4B34}"/>
+              </a:ext>
+              <a:ext uri="{C183D7F6-B498-43B3-948B-1728B52AA6E4}">
+                <adec:decorative xmlns:adec="http://schemas.microsoft.com/office/drawing/2017/decorative" val="1"/>
+              </a:ext>
+            </a:extLst>
+          </p:cNvPr>
+          <p:cNvSpPr>
+            <a:spLocks noGrp="1" noRot="1" noChangeAspect="1" noMove="1" noResize="1" noEditPoints="1" noAdjustHandles="1" noChangeArrowheads="1" noChangeShapeType="1" noTextEdit="1"/>
+          </p:cNvSpPr>
+          <p:nvPr>
+            <p:extLst>
+              <p:ext uri="{386F3935-93C4-4BCD-93E2-E3B085C9AB24}">
+                <p16:designElem xmlns:p16="http://schemas.microsoft.com/office/powerpoint/2015/main" val="1"/>
+              </p:ext>
+            </p:extLst>
+          </p:nvPr>
+        </p:nvSpPr>
+        <p:spPr>
+          <a:xfrm>
+            <a:off x="0" y="0"/>
+            <a:ext cx="12186315" cy="6858000"/>
+          </a:xfrm>
+          <a:prstGeom prst="rect">
+            <a:avLst/>
+          </a:prstGeom>
+          <a:ln>
+            <a:noFill/>
+          </a:ln>
+        </p:spPr>
+        <p:style>
+          <a:lnRef idx="2">
+            <a:schemeClr val="accent6">
+              <a:shade val="50000"/>
+            </a:schemeClr>
+          </a:lnRef>
+          <a:fillRef idx="1001">
+            <a:schemeClr val="lt1"/>
+          </a:fillRef>
+          <a:effectRef idx="0">
+            <a:schemeClr val="accent6"/>
+          </a:effectRef>
+          <a:fontRef idx="minor">
+            <a:schemeClr val="lt1"/>
+          </a:fontRef>
+        </p:style>
+        <p:txBody>
+          <a:bodyPr rtlCol="0" anchor="ctr"/>
+          <a:lstStyle/>
+          <a:p>
+            <a:pPr algn="ctr"/>
+            <a:endParaRPr lang="en-US"/>
+          </a:p>
+        </p:txBody>
+      </p:sp>
       <p:sp>
         <p:nvSpPr>
           <p:cNvPr id="2" name="Title 1">
@@ -6398,37 +6468,353 @@
             <p:ph type="title"/>
           </p:nvPr>
         </p:nvSpPr>
-        <p:spPr/>
-        <p:txBody>
-          <a:bodyPr/>
-          <a:lstStyle/>
-          <a:p>
-            <a:endParaRPr lang="de-DE"/>
-          </a:p>
-        </p:txBody>
-      </p:sp>
-      <p:sp>
-        <p:nvSpPr>
-          <p:cNvPr id="3" name="Content Placeholder 2">
-            <a:extLst>
-              <a:ext uri="{FF2B5EF4-FFF2-40B4-BE49-F238E27FC236}">
-                <a16:creationId xmlns:a16="http://schemas.microsoft.com/office/drawing/2014/main" id="{EE131D5C-ADDA-B321-93A5-E8CE98818277}"/>
-              </a:ext>
-            </a:extLst>
-          </p:cNvPr>
-          <p:cNvSpPr>
-            <a:spLocks noGrp="1"/>
-          </p:cNvSpPr>
+        <p:spPr>
+          <a:xfrm>
+            <a:off x="990932" y="286603"/>
+            <a:ext cx="6750987" cy="1450757"/>
+          </a:xfrm>
+        </p:spPr>
+        <p:txBody>
+          <a:bodyPr>
+            <a:normAutofit/>
+          </a:bodyPr>
+          <a:lstStyle/>
+          <a:p>
+            <a:r>
+              <a:rPr lang="lv-LV" dirty="0">
+                <a:solidFill>
+                  <a:schemeClr val="accent1"/>
+                </a:solidFill>
+              </a:rPr>
+              <a:t>Dice Score Coefficient</a:t>
+            </a:r>
+            <a:endParaRPr lang="de-DE" dirty="0">
+              <a:solidFill>
+                <a:schemeClr val="accent1"/>
+              </a:solidFill>
+            </a:endParaRPr>
+          </a:p>
+        </p:txBody>
+      </p:sp>
+      <p:sp>
+        <p:nvSpPr>
+          <p:cNvPr id="10" name="Rectangle 9">
+            <a:extLst>
+              <a:ext uri="{FF2B5EF4-FFF2-40B4-BE49-F238E27FC236}">
+                <a16:creationId xmlns:a16="http://schemas.microsoft.com/office/drawing/2014/main" id="{717A211C-5863-4303-AC3D-AEBFDF6D6A4C}"/>
+              </a:ext>
+              <a:ext uri="{C183D7F6-B498-43B3-948B-1728B52AA6E4}">
+                <adec:decorative xmlns:adec="http://schemas.microsoft.com/office/drawing/2017/decorative" val="1"/>
+              </a:ext>
+            </a:extLst>
+          </p:cNvPr>
+          <p:cNvSpPr>
+            <a:spLocks noGrp="1" noRot="1" noChangeAspect="1" noMove="1" noResize="1" noEditPoints="1" noAdjustHandles="1" noChangeArrowheads="1" noChangeShapeType="1" noTextEdit="1"/>
+          </p:cNvSpPr>
+          <p:nvPr>
+            <p:extLst>
+              <p:ext uri="{386F3935-93C4-4BCD-93E2-E3B085C9AB24}">
+                <p16:designElem xmlns:p16="http://schemas.microsoft.com/office/powerpoint/2015/main" val="1"/>
+              </p:ext>
+            </p:extLst>
+          </p:nvPr>
+        </p:nvSpPr>
+        <p:spPr>
+          <a:xfrm>
+            <a:off x="8144150" y="-1"/>
+            <a:ext cx="4050791" cy="6857999"/>
+          </a:xfrm>
+          <a:prstGeom prst="rect">
+            <a:avLst/>
+          </a:prstGeom>
+          <a:solidFill>
+            <a:schemeClr val="accent1"/>
+          </a:solidFill>
+          <a:ln>
+            <a:noFill/>
+          </a:ln>
+        </p:spPr>
+        <p:style>
+          <a:lnRef idx="2">
+            <a:schemeClr val="accent1">
+              <a:shade val="50000"/>
+            </a:schemeClr>
+          </a:lnRef>
+          <a:fillRef idx="1">
+            <a:schemeClr val="accent1"/>
+          </a:fillRef>
+          <a:effectRef idx="0">
+            <a:schemeClr val="accent1"/>
+          </a:effectRef>
+          <a:fontRef idx="minor">
+            <a:schemeClr val="lt1"/>
+          </a:fontRef>
+        </p:style>
+      </p:sp>
+      <p:sp>
+        <p:nvSpPr>
+          <p:cNvPr id="12" name="Rectangle 11">
+            <a:extLst>
+              <a:ext uri="{FF2B5EF4-FFF2-40B4-BE49-F238E27FC236}">
+                <a16:creationId xmlns:a16="http://schemas.microsoft.com/office/drawing/2014/main" id="{70FA2369-10B3-4A99-93ED-036A92FD9C47}"/>
+              </a:ext>
+              <a:ext uri="{C183D7F6-B498-43B3-948B-1728B52AA6E4}">
+                <adec:decorative xmlns:adec="http://schemas.microsoft.com/office/drawing/2017/decorative" val="1"/>
+              </a:ext>
+            </a:extLst>
+          </p:cNvPr>
+          <p:cNvSpPr>
+            <a:spLocks noGrp="1" noRot="1" noChangeAspect="1" noMove="1" noResize="1" noEditPoints="1" noAdjustHandles="1" noChangeArrowheads="1" noChangeShapeType="1" noTextEdit="1"/>
+          </p:cNvSpPr>
+          <p:nvPr>
+            <p:extLst>
+              <p:ext uri="{386F3935-93C4-4BCD-93E2-E3B085C9AB24}">
+                <p16:designElem xmlns:p16="http://schemas.microsoft.com/office/powerpoint/2015/main" val="1"/>
+              </p:ext>
+            </p:extLst>
+          </p:nvPr>
+        </p:nvSpPr>
+        <p:spPr>
+          <a:xfrm>
+            <a:off x="0" y="6400800"/>
+            <a:ext cx="12192000" cy="457200"/>
+          </a:xfrm>
+          <a:prstGeom prst="rect">
+            <a:avLst/>
+          </a:prstGeom>
+          <a:solidFill>
+            <a:srgbClr val="262626"/>
+          </a:solidFill>
+          <a:ln>
+            <a:noFill/>
+          </a:ln>
+        </p:spPr>
+        <p:style>
+          <a:lnRef idx="2">
+            <a:schemeClr val="accent1">
+              <a:shade val="50000"/>
+            </a:schemeClr>
+          </a:lnRef>
+          <a:fillRef idx="1">
+            <a:schemeClr val="accent1"/>
+          </a:fillRef>
+          <a:effectRef idx="0">
+            <a:schemeClr val="accent1"/>
+          </a:effectRef>
+          <a:fontRef idx="minor">
+            <a:schemeClr val="lt1"/>
+          </a:fontRef>
+        </p:style>
+      </p:sp>
+      <p:sp>
+        <p:nvSpPr>
+          <p:cNvPr id="5" name="Rectangle 4">
+            <a:extLst>
+              <a:ext uri="{FF2B5EF4-FFF2-40B4-BE49-F238E27FC236}">
+                <a16:creationId xmlns:a16="http://schemas.microsoft.com/office/drawing/2014/main" id="{FB1B1E9B-BF76-46CA-46EA-825F8E9E4019}"/>
+              </a:ext>
+            </a:extLst>
+          </p:cNvPr>
+          <p:cNvSpPr/>
+          <p:nvPr/>
+        </p:nvSpPr>
+        <p:spPr>
+          <a:xfrm>
+            <a:off x="8335140" y="833120"/>
+            <a:ext cx="3608850" cy="4701661"/>
+          </a:xfrm>
+          <a:prstGeom prst="rect">
+            <a:avLst/>
+          </a:prstGeom>
+        </p:spPr>
+        <p:style>
+          <a:lnRef idx="2">
+            <a:schemeClr val="dk1"/>
+          </a:lnRef>
+          <a:fillRef idx="1">
+            <a:schemeClr val="lt1"/>
+          </a:fillRef>
+          <a:effectRef idx="0">
+            <a:schemeClr val="dk1"/>
+          </a:effectRef>
+          <a:fontRef idx="minor">
+            <a:schemeClr val="dk1"/>
+          </a:fontRef>
+        </p:style>
+        <p:txBody>
+          <a:bodyPr rtlCol="0" anchor="ctr"/>
+          <a:lstStyle/>
+          <a:p>
+            <a:pPr algn="ctr"/>
+            <a:r>
+              <a:rPr lang="lv-LV" dirty="0"/>
+              <a:t>Kurzerklaerung was TP, FP usw ist also</a:t>
+            </a:r>
+          </a:p>
+          <a:p>
+            <a:pPr algn="ctr"/>
+            <a:r>
+              <a:rPr lang="lv-LV" dirty="0"/>
+              <a:t>gt = ground truth; pt = post tresholding</a:t>
+            </a:r>
+          </a:p>
+          <a:p>
+            <a:r>
+              <a:rPr lang="lv-LV" dirty="0"/>
+              <a:t>TP : Both pixels white</a:t>
+            </a:r>
+          </a:p>
+          <a:p>
+            <a:r>
+              <a:rPr lang="lv-LV" dirty="0"/>
+              <a:t>FP : gt pixel black, pt pixel white</a:t>
+            </a:r>
+          </a:p>
+          <a:p>
+            <a:r>
+              <a:rPr lang="lv-LV" dirty="0"/>
+              <a:t>TN : both pixels black</a:t>
+            </a:r>
+          </a:p>
+          <a:p>
+            <a:r>
+              <a:rPr lang="lv-LV" dirty="0"/>
+              <a:t>FN : gt pixel white, pt pixel black</a:t>
+            </a:r>
+            <a:endParaRPr lang="en-US" dirty="0"/>
+          </a:p>
+        </p:txBody>
+      </p:sp>
+      <p:pic>
+        <p:nvPicPr>
+          <p:cNvPr id="11" name="Content Placeholder 10">
+            <a:extLst>
+              <a:ext uri="{FF2B5EF4-FFF2-40B4-BE49-F238E27FC236}">
+                <a16:creationId xmlns:a16="http://schemas.microsoft.com/office/drawing/2014/main" id="{D72EBFAA-D710-F11D-36F7-3258417225F7}"/>
+              </a:ext>
+            </a:extLst>
+          </p:cNvPr>
+          <p:cNvPicPr>
+            <a:picLocks noGrp="1" noChangeAspect="1"/>
+          </p:cNvPicPr>
           <p:nvPr>
             <p:ph idx="1"/>
           </p:nvPr>
-        </p:nvSpPr>
-        <p:spPr/>
-        <p:txBody>
-          <a:bodyPr/>
-          <a:lstStyle/>
-          <a:p>
-            <a:endParaRPr lang="de-DE"/>
+        </p:nvPicPr>
+        <p:blipFill>
+          <a:blip r:embed="rId2"/>
+          <a:stretch>
+            <a:fillRect/>
+          </a:stretch>
+        </p:blipFill>
+        <p:spPr>
+          <a:xfrm>
+            <a:off x="990932" y="2394943"/>
+            <a:ext cx="2755900" cy="2725698"/>
+          </a:xfrm>
+          <a:prstGeom prst="rect">
+            <a:avLst/>
+          </a:prstGeom>
+        </p:spPr>
+      </p:pic>
+      <p:pic>
+        <p:nvPicPr>
+          <p:cNvPr id="13" name="Picture 12">
+            <a:extLst>
+              <a:ext uri="{FF2B5EF4-FFF2-40B4-BE49-F238E27FC236}">
+                <a16:creationId xmlns:a16="http://schemas.microsoft.com/office/drawing/2014/main" id="{E5EAE64A-DC34-A65A-491A-70CE05942001}"/>
+              </a:ext>
+            </a:extLst>
+          </p:cNvPr>
+          <p:cNvPicPr>
+            <a:picLocks noChangeAspect="1"/>
+          </p:cNvPicPr>
+          <p:nvPr/>
+        </p:nvPicPr>
+        <p:blipFill>
+          <a:blip r:embed="rId3"/>
+          <a:stretch>
+            <a:fillRect/>
+          </a:stretch>
+        </p:blipFill>
+        <p:spPr>
+          <a:xfrm>
+            <a:off x="4714178" y="2394943"/>
+            <a:ext cx="2757957" cy="2769660"/>
+          </a:xfrm>
+          <a:prstGeom prst="rect">
+            <a:avLst/>
+          </a:prstGeom>
+        </p:spPr>
+      </p:pic>
+      <p:sp>
+        <p:nvSpPr>
+          <p:cNvPr id="6" name="TextBox 5">
+            <a:extLst>
+              <a:ext uri="{FF2B5EF4-FFF2-40B4-BE49-F238E27FC236}">
+                <a16:creationId xmlns:a16="http://schemas.microsoft.com/office/drawing/2014/main" id="{27E798AF-A854-2C41-E0E3-342D3454FBA9}"/>
+              </a:ext>
+            </a:extLst>
+          </p:cNvPr>
+          <p:cNvSpPr txBox="1"/>
+          <p:nvPr/>
+        </p:nvSpPr>
+        <p:spPr>
+          <a:xfrm>
+            <a:off x="1345624" y="5199797"/>
+            <a:ext cx="2046515" cy="646331"/>
+          </a:xfrm>
+          <a:prstGeom prst="rect">
+            <a:avLst/>
+          </a:prstGeom>
+          <a:noFill/>
+        </p:spPr>
+        <p:txBody>
+          <a:bodyPr wrap="square" rtlCol="0">
+            <a:spAutoFit/>
+          </a:bodyPr>
+          <a:lstStyle/>
+          <a:p>
+            <a:r>
+              <a:rPr lang="lv-LV" dirty="0"/>
+              <a:t>Hier tue ich ein gt bild rein</a:t>
+            </a:r>
+            <a:endParaRPr lang="en-US" dirty="0"/>
+          </a:p>
+        </p:txBody>
+      </p:sp>
+      <p:sp>
+        <p:nvSpPr>
+          <p:cNvPr id="7" name="TextBox 6">
+            <a:extLst>
+              <a:ext uri="{FF2B5EF4-FFF2-40B4-BE49-F238E27FC236}">
+                <a16:creationId xmlns:a16="http://schemas.microsoft.com/office/drawing/2014/main" id="{9F29A909-03F1-3751-685F-20CEC4EC38FC}"/>
+              </a:ext>
+            </a:extLst>
+          </p:cNvPr>
+          <p:cNvSpPr txBox="1"/>
+          <p:nvPr/>
+        </p:nvSpPr>
+        <p:spPr>
+          <a:xfrm>
+            <a:off x="4558123" y="5257610"/>
+            <a:ext cx="3490532" cy="923330"/>
+          </a:xfrm>
+          <a:prstGeom prst="rect">
+            <a:avLst/>
+          </a:prstGeom>
+          <a:noFill/>
+        </p:spPr>
+        <p:txBody>
+          <a:bodyPr wrap="square" rtlCol="0">
+            <a:spAutoFit/>
+          </a:bodyPr>
+          <a:lstStyle/>
+          <a:p>
+            <a:r>
+              <a:rPr lang="lv-LV" dirty="0"/>
+              <a:t>Und hier ein post otsu (kann online tresholding wahrscheinlich machen)</a:t>
+            </a:r>
           </a:p>
         </p:txBody>
       </p:sp>
@@ -6436,6 +6822,895 @@
     <p:extLst>
       <p:ext uri="{BB962C8B-B14F-4D97-AF65-F5344CB8AC3E}">
         <p14:creationId xmlns:p14="http://schemas.microsoft.com/office/powerpoint/2010/main" val="2455599885"/>
+      </p:ext>
+    </p:extLst>
+  </p:cSld>
+  <p:clrMapOvr>
+    <a:masterClrMapping/>
+  </p:clrMapOvr>
+</p:sld>
+</file>
+
+<file path=ppt/slides/slide7.xml><?xml version="1.0" encoding="utf-8"?>
+<p:sld xmlns:a="http://schemas.openxmlformats.org/drawingml/2006/main" xmlns:r="http://schemas.openxmlformats.org/officeDocument/2006/relationships" xmlns:p="http://schemas.openxmlformats.org/presentationml/2006/main">
+  <p:cSld>
+    <p:spTree>
+      <p:nvGrpSpPr>
+        <p:cNvPr id="1" name=""/>
+        <p:cNvGrpSpPr/>
+        <p:nvPr/>
+      </p:nvGrpSpPr>
+      <p:grpSpPr>
+        <a:xfrm>
+          <a:off x="0" y="0"/>
+          <a:ext cx="0" cy="0"/>
+          <a:chOff x="0" y="0"/>
+          <a:chExt cx="0" cy="0"/>
+        </a:xfrm>
+      </p:grpSpPr>
+      <p:sp>
+        <p:nvSpPr>
+          <p:cNvPr id="2" name="Title 1">
+            <a:extLst>
+              <a:ext uri="{FF2B5EF4-FFF2-40B4-BE49-F238E27FC236}">
+                <a16:creationId xmlns:a16="http://schemas.microsoft.com/office/drawing/2014/main" id="{1B25104E-AFD1-C198-F41C-FDB6A9E62CAD}"/>
+              </a:ext>
+            </a:extLst>
+          </p:cNvPr>
+          <p:cNvSpPr>
+            <a:spLocks noGrp="1"/>
+          </p:cNvSpPr>
+          <p:nvPr>
+            <p:ph type="title"/>
+          </p:nvPr>
+        </p:nvSpPr>
+        <p:spPr/>
+        <p:txBody>
+          <a:bodyPr>
+            <a:normAutofit fontScale="90000"/>
+          </a:bodyPr>
+          <a:lstStyle/>
+          <a:p>
+            <a:r>
+              <a:rPr lang="lv-LV" dirty="0"/>
+              <a:t>Eulers rings normal version and dice score #muss noch ueberlegen wie genau ich es mache also in what order</a:t>
+            </a:r>
+            <a:endParaRPr lang="en-US" dirty="0"/>
+          </a:p>
+        </p:txBody>
+      </p:sp>
+      <p:sp>
+        <p:nvSpPr>
+          <p:cNvPr id="3" name="Content Placeholder 2">
+            <a:extLst>
+              <a:ext uri="{FF2B5EF4-FFF2-40B4-BE49-F238E27FC236}">
+                <a16:creationId xmlns:a16="http://schemas.microsoft.com/office/drawing/2014/main" id="{43593FB1-BA55-C54C-FF00-C4BB352C16F0}"/>
+              </a:ext>
+            </a:extLst>
+          </p:cNvPr>
+          <p:cNvSpPr>
+            <a:spLocks noGrp="1"/>
+          </p:cNvSpPr>
+          <p:nvPr>
+            <p:ph idx="1"/>
+          </p:nvPr>
+        </p:nvSpPr>
+        <p:spPr/>
+        <p:txBody>
+          <a:bodyPr/>
+          <a:lstStyle/>
+          <a:p>
+            <a:pPr marL="0" indent="0">
+              <a:buNone/>
+            </a:pPr>
+            <a:endParaRPr lang="en-US" dirty="0"/>
+          </a:p>
+        </p:txBody>
+      </p:sp>
+      <p:sp>
+        <p:nvSpPr>
+          <p:cNvPr id="4" name="Oval 3">
+            <a:extLst>
+              <a:ext uri="{FF2B5EF4-FFF2-40B4-BE49-F238E27FC236}">
+                <a16:creationId xmlns:a16="http://schemas.microsoft.com/office/drawing/2014/main" id="{C820744B-0CC5-18A1-DD73-908B806441FD}"/>
+              </a:ext>
+            </a:extLst>
+          </p:cNvPr>
+          <p:cNvSpPr/>
+          <p:nvPr/>
+        </p:nvSpPr>
+        <p:spPr>
+          <a:xfrm>
+            <a:off x="2905760" y="2159845"/>
+            <a:ext cx="3657600" cy="3657600"/>
+          </a:xfrm>
+          <a:prstGeom prst="ellipse">
+            <a:avLst/>
+          </a:prstGeom>
+          <a:noFill/>
+        </p:spPr>
+        <p:style>
+          <a:lnRef idx="2">
+            <a:schemeClr val="dk1"/>
+          </a:lnRef>
+          <a:fillRef idx="1">
+            <a:schemeClr val="lt1"/>
+          </a:fillRef>
+          <a:effectRef idx="0">
+            <a:schemeClr val="dk1"/>
+          </a:effectRef>
+          <a:fontRef idx="minor">
+            <a:schemeClr val="dk1"/>
+          </a:fontRef>
+        </p:style>
+        <p:txBody>
+          <a:bodyPr rtlCol="0" anchor="ctr"/>
+          <a:lstStyle/>
+          <a:p>
+            <a:pPr algn="ctr"/>
+            <a:endParaRPr lang="en-US"/>
+          </a:p>
+        </p:txBody>
+      </p:sp>
+      <p:sp>
+        <p:nvSpPr>
+          <p:cNvPr id="6" name="Oval 5">
+            <a:extLst>
+              <a:ext uri="{FF2B5EF4-FFF2-40B4-BE49-F238E27FC236}">
+                <a16:creationId xmlns:a16="http://schemas.microsoft.com/office/drawing/2014/main" id="{7458756F-BEF0-7FA2-3EBB-0169F1411108}"/>
+              </a:ext>
+            </a:extLst>
+          </p:cNvPr>
+          <p:cNvSpPr/>
+          <p:nvPr/>
+        </p:nvSpPr>
+        <p:spPr>
+          <a:xfrm>
+            <a:off x="4947920" y="2134023"/>
+            <a:ext cx="3738880" cy="3709245"/>
+          </a:xfrm>
+          <a:prstGeom prst="ellipse">
+            <a:avLst/>
+          </a:prstGeom>
+          <a:noFill/>
+        </p:spPr>
+        <p:style>
+          <a:lnRef idx="2">
+            <a:schemeClr val="dk1"/>
+          </a:lnRef>
+          <a:fillRef idx="1">
+            <a:schemeClr val="lt1"/>
+          </a:fillRef>
+          <a:effectRef idx="0">
+            <a:schemeClr val="dk1"/>
+          </a:effectRef>
+          <a:fontRef idx="minor">
+            <a:schemeClr val="dk1"/>
+          </a:fontRef>
+        </p:style>
+        <p:txBody>
+          <a:bodyPr rtlCol="0" anchor="ctr"/>
+          <a:lstStyle/>
+          <a:p>
+            <a:pPr algn="ctr"/>
+            <a:endParaRPr lang="en-US"/>
+          </a:p>
+        </p:txBody>
+      </p:sp>
+    </p:spTree>
+    <p:extLst>
+      <p:ext uri="{BB962C8B-B14F-4D97-AF65-F5344CB8AC3E}">
+        <p14:creationId xmlns:p14="http://schemas.microsoft.com/office/powerpoint/2010/main" val="3705265101"/>
+      </p:ext>
+    </p:extLst>
+  </p:cSld>
+  <p:clrMapOvr>
+    <a:masterClrMapping/>
+  </p:clrMapOvr>
+</p:sld>
+</file>
+
+<file path=ppt/slides/slide8.xml><?xml version="1.0" encoding="utf-8"?>
+<p:sld xmlns:a="http://schemas.openxmlformats.org/drawingml/2006/main" xmlns:r="http://schemas.openxmlformats.org/officeDocument/2006/relationships" xmlns:p="http://schemas.openxmlformats.org/presentationml/2006/main">
+  <p:cSld>
+    <p:bg>
+      <p:bgPr>
+        <a:solidFill>
+          <a:schemeClr val="bg1"/>
+        </a:solidFill>
+        <a:effectLst/>
+      </p:bgPr>
+    </p:bg>
+    <p:spTree>
+      <p:nvGrpSpPr>
+        <p:cNvPr id="1" name=""/>
+        <p:cNvGrpSpPr/>
+        <p:nvPr/>
+      </p:nvGrpSpPr>
+      <p:grpSpPr>
+        <a:xfrm>
+          <a:off x="0" y="0"/>
+          <a:ext cx="0" cy="0"/>
+          <a:chOff x="0" y="0"/>
+          <a:chExt cx="0" cy="0"/>
+        </a:xfrm>
+      </p:grpSpPr>
+      <p:sp useBgFill="1">
+        <p:nvSpPr>
+          <p:cNvPr id="8" name="Rectangle 7">
+            <a:extLst>
+              <a:ext uri="{FF2B5EF4-FFF2-40B4-BE49-F238E27FC236}">
+                <a16:creationId xmlns:a16="http://schemas.microsoft.com/office/drawing/2014/main" id="{CECF0FC6-D57B-48B6-9036-F4FFD91A4B34}"/>
+              </a:ext>
+              <a:ext uri="{C183D7F6-B498-43B3-948B-1728B52AA6E4}">
+                <adec:decorative xmlns:adec="http://schemas.microsoft.com/office/drawing/2017/decorative" val="1"/>
+              </a:ext>
+            </a:extLst>
+          </p:cNvPr>
+          <p:cNvSpPr>
+            <a:spLocks noGrp="1" noRot="1" noChangeAspect="1" noMove="1" noResize="1" noEditPoints="1" noAdjustHandles="1" noChangeArrowheads="1" noChangeShapeType="1" noTextEdit="1"/>
+          </p:cNvSpPr>
+          <p:nvPr>
+            <p:extLst>
+              <p:ext uri="{386F3935-93C4-4BCD-93E2-E3B085C9AB24}">
+                <p16:designElem xmlns:p16="http://schemas.microsoft.com/office/powerpoint/2015/main" val="1"/>
+              </p:ext>
+            </p:extLst>
+          </p:nvPr>
+        </p:nvSpPr>
+        <p:spPr>
+          <a:xfrm>
+            <a:off x="0" y="0"/>
+            <a:ext cx="12186315" cy="6858000"/>
+          </a:xfrm>
+          <a:prstGeom prst="rect">
+            <a:avLst/>
+          </a:prstGeom>
+          <a:ln>
+            <a:noFill/>
+          </a:ln>
+        </p:spPr>
+        <p:style>
+          <a:lnRef idx="2">
+            <a:schemeClr val="accent6">
+              <a:shade val="50000"/>
+            </a:schemeClr>
+          </a:lnRef>
+          <a:fillRef idx="1001">
+            <a:schemeClr val="lt1"/>
+          </a:fillRef>
+          <a:effectRef idx="0">
+            <a:schemeClr val="accent6"/>
+          </a:effectRef>
+          <a:fontRef idx="minor">
+            <a:schemeClr val="lt1"/>
+          </a:fontRef>
+        </p:style>
+        <p:txBody>
+          <a:bodyPr rtlCol="0" anchor="ctr"/>
+          <a:lstStyle/>
+          <a:p>
+            <a:pPr algn="ctr"/>
+            <a:endParaRPr lang="en-US"/>
+          </a:p>
+        </p:txBody>
+      </p:sp>
+      <p:sp>
+        <p:nvSpPr>
+          <p:cNvPr id="2" name="Title 1">
+            <a:extLst>
+              <a:ext uri="{FF2B5EF4-FFF2-40B4-BE49-F238E27FC236}">
+                <a16:creationId xmlns:a16="http://schemas.microsoft.com/office/drawing/2014/main" id="{A28EC666-BF14-C402-439C-0FEAC2D79C24}"/>
+              </a:ext>
+            </a:extLst>
+          </p:cNvPr>
+          <p:cNvSpPr>
+            <a:spLocks noGrp="1"/>
+          </p:cNvSpPr>
+          <p:nvPr>
+            <p:ph type="title"/>
+          </p:nvPr>
+        </p:nvSpPr>
+        <p:spPr>
+          <a:xfrm>
+            <a:off x="990932" y="286603"/>
+            <a:ext cx="6750987" cy="1450757"/>
+          </a:xfrm>
+        </p:spPr>
+        <p:txBody>
+          <a:bodyPr>
+            <a:normAutofit/>
+          </a:bodyPr>
+          <a:lstStyle/>
+          <a:p>
+            <a:r>
+              <a:rPr lang="lv-LV" dirty="0">
+                <a:solidFill>
+                  <a:schemeClr val="accent1"/>
+                </a:solidFill>
+              </a:rPr>
+              <a:t>wie sieht es statistisch auss (eulers rings)</a:t>
+            </a:r>
+            <a:endParaRPr lang="en-US" dirty="0">
+              <a:solidFill>
+                <a:schemeClr val="accent1"/>
+              </a:solidFill>
+            </a:endParaRPr>
+          </a:p>
+        </p:txBody>
+      </p:sp>
+      <p:sp>
+        <p:nvSpPr>
+          <p:cNvPr id="10" name="Rectangle 9">
+            <a:extLst>
+              <a:ext uri="{FF2B5EF4-FFF2-40B4-BE49-F238E27FC236}">
+                <a16:creationId xmlns:a16="http://schemas.microsoft.com/office/drawing/2014/main" id="{717A211C-5863-4303-AC3D-AEBFDF6D6A4C}"/>
+              </a:ext>
+              <a:ext uri="{C183D7F6-B498-43B3-948B-1728B52AA6E4}">
+                <adec:decorative xmlns:adec="http://schemas.microsoft.com/office/drawing/2017/decorative" val="1"/>
+              </a:ext>
+            </a:extLst>
+          </p:cNvPr>
+          <p:cNvSpPr>
+            <a:spLocks noGrp="1" noRot="1" noChangeAspect="1" noMove="1" noResize="1" noEditPoints="1" noAdjustHandles="1" noChangeArrowheads="1" noChangeShapeType="1" noTextEdit="1"/>
+          </p:cNvSpPr>
+          <p:nvPr>
+            <p:extLst>
+              <p:ext uri="{386F3935-93C4-4BCD-93E2-E3B085C9AB24}">
+                <p16:designElem xmlns:p16="http://schemas.microsoft.com/office/powerpoint/2015/main" val="1"/>
+              </p:ext>
+            </p:extLst>
+          </p:nvPr>
+        </p:nvSpPr>
+        <p:spPr>
+          <a:xfrm>
+            <a:off x="8144150" y="-1"/>
+            <a:ext cx="4050791" cy="6857999"/>
+          </a:xfrm>
+          <a:prstGeom prst="rect">
+            <a:avLst/>
+          </a:prstGeom>
+          <a:solidFill>
+            <a:schemeClr val="accent1"/>
+          </a:solidFill>
+          <a:ln>
+            <a:noFill/>
+          </a:ln>
+        </p:spPr>
+        <p:style>
+          <a:lnRef idx="2">
+            <a:schemeClr val="accent1">
+              <a:shade val="50000"/>
+            </a:schemeClr>
+          </a:lnRef>
+          <a:fillRef idx="1">
+            <a:schemeClr val="accent1"/>
+          </a:fillRef>
+          <a:effectRef idx="0">
+            <a:schemeClr val="accent1"/>
+          </a:effectRef>
+          <a:fontRef idx="minor">
+            <a:schemeClr val="lt1"/>
+          </a:fontRef>
+        </p:style>
+      </p:sp>
+      <p:sp>
+        <p:nvSpPr>
+          <p:cNvPr id="12" name="Rectangle 11">
+            <a:extLst>
+              <a:ext uri="{FF2B5EF4-FFF2-40B4-BE49-F238E27FC236}">
+                <a16:creationId xmlns:a16="http://schemas.microsoft.com/office/drawing/2014/main" id="{70FA2369-10B3-4A99-93ED-036A92FD9C47}"/>
+              </a:ext>
+              <a:ext uri="{C183D7F6-B498-43B3-948B-1728B52AA6E4}">
+                <adec:decorative xmlns:adec="http://schemas.microsoft.com/office/drawing/2017/decorative" val="1"/>
+              </a:ext>
+            </a:extLst>
+          </p:cNvPr>
+          <p:cNvSpPr>
+            <a:spLocks noGrp="1" noRot="1" noChangeAspect="1" noMove="1" noResize="1" noEditPoints="1" noAdjustHandles="1" noChangeArrowheads="1" noChangeShapeType="1" noTextEdit="1"/>
+          </p:cNvSpPr>
+          <p:nvPr>
+            <p:extLst>
+              <p:ext uri="{386F3935-93C4-4BCD-93E2-E3B085C9AB24}">
+                <p16:designElem xmlns:p16="http://schemas.microsoft.com/office/powerpoint/2015/main" val="1"/>
+              </p:ext>
+            </p:extLst>
+          </p:nvPr>
+        </p:nvSpPr>
+        <p:spPr>
+          <a:xfrm>
+            <a:off x="0" y="6400800"/>
+            <a:ext cx="12192000" cy="457200"/>
+          </a:xfrm>
+          <a:prstGeom prst="rect">
+            <a:avLst/>
+          </a:prstGeom>
+          <a:solidFill>
+            <a:srgbClr val="262626"/>
+          </a:solidFill>
+          <a:ln>
+            <a:noFill/>
+          </a:ln>
+        </p:spPr>
+        <p:style>
+          <a:lnRef idx="2">
+            <a:schemeClr val="accent1">
+              <a:shade val="50000"/>
+            </a:schemeClr>
+          </a:lnRef>
+          <a:fillRef idx="1">
+            <a:schemeClr val="accent1"/>
+          </a:fillRef>
+          <a:effectRef idx="0">
+            <a:schemeClr val="accent1"/>
+          </a:effectRef>
+          <a:fontRef idx="minor">
+            <a:schemeClr val="lt1"/>
+          </a:fontRef>
+        </p:style>
+      </p:sp>
+      <p:sp>
+        <p:nvSpPr>
+          <p:cNvPr id="4" name="Rectangle 3">
+            <a:extLst>
+              <a:ext uri="{FF2B5EF4-FFF2-40B4-BE49-F238E27FC236}">
+                <a16:creationId xmlns:a16="http://schemas.microsoft.com/office/drawing/2014/main" id="{27B9B9F7-7162-4D19-3DCE-C7169E8915D9}"/>
+              </a:ext>
+            </a:extLst>
+          </p:cNvPr>
+          <p:cNvSpPr/>
+          <p:nvPr/>
+        </p:nvSpPr>
+        <p:spPr>
+          <a:xfrm>
+            <a:off x="1197521" y="2201547"/>
+            <a:ext cx="2783114" cy="1691640"/>
+          </a:xfrm>
+          <a:prstGeom prst="rect">
+            <a:avLst/>
+          </a:prstGeom>
+        </p:spPr>
+        <p:style>
+          <a:lnRef idx="2">
+            <a:schemeClr val="accent1">
+              <a:shade val="50000"/>
+            </a:schemeClr>
+          </a:lnRef>
+          <a:fillRef idx="1">
+            <a:schemeClr val="accent1"/>
+          </a:fillRef>
+          <a:effectRef idx="0">
+            <a:schemeClr val="accent1"/>
+          </a:effectRef>
+          <a:fontRef idx="minor">
+            <a:schemeClr val="lt1"/>
+          </a:fontRef>
+        </p:style>
+        <p:txBody>
+          <a:bodyPr rtlCol="0" anchor="ctr"/>
+          <a:lstStyle/>
+          <a:p>
+            <a:pPr algn="ctr"/>
+            <a:r>
+              <a:rPr lang="lv-LV" dirty="0"/>
+              <a:t>Hier perfect scenario aka ueberlappende eulers rings </a:t>
+            </a:r>
+            <a:endParaRPr lang="en-US" dirty="0"/>
+          </a:p>
+        </p:txBody>
+      </p:sp>
+      <p:sp>
+        <p:nvSpPr>
+          <p:cNvPr id="9" name="Content Placeholder 8">
+            <a:extLst>
+              <a:ext uri="{FF2B5EF4-FFF2-40B4-BE49-F238E27FC236}">
+                <a16:creationId xmlns:a16="http://schemas.microsoft.com/office/drawing/2014/main" id="{E5610B3C-10B2-47BF-CAB1-39069105FF1F}"/>
+              </a:ext>
+            </a:extLst>
+          </p:cNvPr>
+          <p:cNvSpPr>
+            <a:spLocks noGrp="1"/>
+          </p:cNvSpPr>
+          <p:nvPr>
+            <p:ph idx="1"/>
+          </p:nvPr>
+        </p:nvSpPr>
+        <p:spPr>
+          <a:xfrm>
+            <a:off x="1197521" y="4087336"/>
+            <a:ext cx="2783115" cy="1691640"/>
+          </a:xfrm>
+          <a:prstGeom prst="rect">
+            <a:avLst/>
+          </a:prstGeom>
+        </p:spPr>
+        <p:style>
+          <a:lnRef idx="2">
+            <a:schemeClr val="accent1">
+              <a:shade val="50000"/>
+            </a:schemeClr>
+          </a:lnRef>
+          <a:fillRef idx="1">
+            <a:schemeClr val="accent1"/>
+          </a:fillRef>
+          <a:effectRef idx="0">
+            <a:schemeClr val="accent1"/>
+          </a:effectRef>
+          <a:fontRef idx="minor">
+            <a:schemeClr val="lt1"/>
+          </a:fontRef>
+        </p:style>
+        <p:txBody>
+          <a:bodyPr rtlCol="0" anchor="ctr"/>
+          <a:lstStyle/>
+          <a:p>
+            <a:pPr algn="ctr"/>
+            <a:r>
+              <a:rPr lang="lv-LV" dirty="0"/>
+              <a:t>Realistic scenario</a:t>
+            </a:r>
+            <a:endParaRPr lang="en-US" dirty="0"/>
+          </a:p>
+        </p:txBody>
+      </p:sp>
+      <p:sp>
+        <p:nvSpPr>
+          <p:cNvPr id="5" name="Rectangle 4">
+            <a:extLst>
+              <a:ext uri="{FF2B5EF4-FFF2-40B4-BE49-F238E27FC236}">
+                <a16:creationId xmlns:a16="http://schemas.microsoft.com/office/drawing/2014/main" id="{7E061946-6342-8805-195C-0F95A3EC7157}"/>
+              </a:ext>
+            </a:extLst>
+          </p:cNvPr>
+          <p:cNvSpPr/>
+          <p:nvPr/>
+        </p:nvSpPr>
+        <p:spPr>
+          <a:xfrm>
+            <a:off x="4382866" y="2201547"/>
+            <a:ext cx="3359053" cy="1691640"/>
+          </a:xfrm>
+          <a:prstGeom prst="rect">
+            <a:avLst/>
+          </a:prstGeom>
+        </p:spPr>
+        <p:style>
+          <a:lnRef idx="2">
+            <a:schemeClr val="dk1"/>
+          </a:lnRef>
+          <a:fillRef idx="1">
+            <a:schemeClr val="lt1"/>
+          </a:fillRef>
+          <a:effectRef idx="0">
+            <a:schemeClr val="dk1"/>
+          </a:effectRef>
+          <a:fontRef idx="minor">
+            <a:schemeClr val="dk1"/>
+          </a:fontRef>
+        </p:style>
+        <p:txBody>
+          <a:bodyPr rtlCol="0" anchor="ctr"/>
+          <a:lstStyle/>
+          <a:p>
+            <a:r>
+              <a:rPr lang="lv-LV" dirty="0"/>
+              <a:t>FN=0</a:t>
+            </a:r>
+          </a:p>
+          <a:p>
+            <a:r>
+              <a:rPr lang="lv-LV" dirty="0"/>
+              <a:t>FP=0</a:t>
+            </a:r>
+          </a:p>
+          <a:p>
+            <a:r>
+              <a:rPr lang="lv-LV" dirty="0"/>
+              <a:t>DSC= 2TP/2TP = 1</a:t>
+            </a:r>
+          </a:p>
+          <a:p>
+            <a:r>
+              <a:rPr lang="lv-LV" dirty="0"/>
+              <a:t>+ kurzerklaerung wie es zu dsc=0 kommen wurde</a:t>
+            </a:r>
+          </a:p>
+        </p:txBody>
+      </p:sp>
+      <p:sp>
+        <p:nvSpPr>
+          <p:cNvPr id="11" name="Rectangle 10">
+            <a:extLst>
+              <a:ext uri="{FF2B5EF4-FFF2-40B4-BE49-F238E27FC236}">
+                <a16:creationId xmlns:a16="http://schemas.microsoft.com/office/drawing/2014/main" id="{A495DF8A-C915-ECB1-CC4D-91FD8D9C93D0}"/>
+              </a:ext>
+            </a:extLst>
+          </p:cNvPr>
+          <p:cNvSpPr/>
+          <p:nvPr/>
+        </p:nvSpPr>
+        <p:spPr>
+          <a:xfrm>
+            <a:off x="4398248" y="4087336"/>
+            <a:ext cx="3389817" cy="1691640"/>
+          </a:xfrm>
+          <a:prstGeom prst="rect">
+            <a:avLst/>
+          </a:prstGeom>
+        </p:spPr>
+        <p:style>
+          <a:lnRef idx="2">
+            <a:schemeClr val="dk1"/>
+          </a:lnRef>
+          <a:fillRef idx="1">
+            <a:schemeClr val="lt1"/>
+          </a:fillRef>
+          <a:effectRef idx="0">
+            <a:schemeClr val="dk1"/>
+          </a:effectRef>
+          <a:fontRef idx="minor">
+            <a:schemeClr val="dk1"/>
+          </a:fontRef>
+        </p:style>
+        <p:txBody>
+          <a:bodyPr rtlCol="0" anchor="ctr"/>
+          <a:lstStyle/>
+          <a:p>
+            <a:r>
+              <a:rPr lang="lv-LV" dirty="0"/>
+              <a:t>FN&gt;0</a:t>
+            </a:r>
+          </a:p>
+          <a:p>
+            <a:r>
+              <a:rPr lang="lv-LV" dirty="0"/>
+              <a:t>FP&gt;0</a:t>
+            </a:r>
+          </a:p>
+          <a:p>
+            <a:r>
+              <a:rPr lang="lv-LV" dirty="0"/>
+              <a:t>DSC=2TP/(2TP+FN+FP)</a:t>
+            </a:r>
+            <a:endParaRPr lang="en-US" dirty="0"/>
+          </a:p>
+        </p:txBody>
+      </p:sp>
+      <mc:AlternateContent xmlns:mc="http://schemas.openxmlformats.org/markup-compatibility/2006">
+        <mc:Choice xmlns:a14="http://schemas.microsoft.com/office/drawing/2010/main" Requires="a14">
+          <p:sp>
+            <p:nvSpPr>
+              <p:cNvPr id="6" name="Rectangle 5">
+                <a:extLst>
+                  <a:ext uri="{FF2B5EF4-FFF2-40B4-BE49-F238E27FC236}">
+                    <a16:creationId xmlns:a16="http://schemas.microsoft.com/office/drawing/2014/main" id="{3541E0D9-81F4-C159-D81A-284D19FD8988}"/>
+                  </a:ext>
+                </a:extLst>
+              </p:cNvPr>
+              <p:cNvSpPr/>
+              <p:nvPr/>
+            </p:nvSpPr>
+            <p:spPr>
+              <a:xfrm>
+                <a:off x="8433657" y="406400"/>
+                <a:ext cx="3502540" cy="5628640"/>
+              </a:xfrm>
+              <a:prstGeom prst="rect">
+                <a:avLst/>
+              </a:prstGeom>
+            </p:spPr>
+            <p:style>
+              <a:lnRef idx="2">
+                <a:schemeClr val="accent6"/>
+              </a:lnRef>
+              <a:fillRef idx="1">
+                <a:schemeClr val="lt1"/>
+              </a:fillRef>
+              <a:effectRef idx="0">
+                <a:schemeClr val="accent6"/>
+              </a:effectRef>
+              <a:fontRef idx="minor">
+                <a:schemeClr val="dk1"/>
+              </a:fontRef>
+            </p:style>
+            <p:txBody>
+              <a:bodyPr rtlCol="0" anchor="ctr"/>
+              <a:lstStyle/>
+              <a:p>
+                <a:pPr algn="ctr"/>
+                <a14:m>
+                  <m:oMathPara xmlns:m="http://schemas.openxmlformats.org/officeDocument/2006/math">
+                    <m:oMathParaPr>
+                      <m:jc m:val="centerGroup"/>
+                    </m:oMathParaPr>
+                    <m:oMath xmlns:m="http://schemas.openxmlformats.org/officeDocument/2006/math">
+                      <m:r>
+                        <a:rPr lang="lv-LV" sz="1800" i="1" smtClean="0">
+                          <a:effectLst/>
+                          <a:latin typeface="Cambria Math" panose="02040503050406030204" pitchFamily="18" charset="0"/>
+                          <a:ea typeface="Calibri" panose="020F0502020204030204" pitchFamily="34" charset="0"/>
+                          <a:cs typeface="Times New Roman" panose="02020603050405020304" pitchFamily="18" charset="0"/>
+                        </a:rPr>
+                        <m:t>𝐷𝑆𝐶</m:t>
+                      </m:r>
+                      <m:r>
+                        <a:rPr lang="lv-LV" sz="1800" i="1" smtClean="0">
+                          <a:effectLst/>
+                          <a:latin typeface="Cambria Math" panose="02040503050406030204" pitchFamily="18" charset="0"/>
+                          <a:ea typeface="Calibri" panose="020F0502020204030204" pitchFamily="34" charset="0"/>
+                          <a:cs typeface="Times New Roman" panose="02020603050405020304" pitchFamily="18" charset="0"/>
+                        </a:rPr>
+                        <m:t>=</m:t>
+                      </m:r>
+                      <m:f>
+                        <m:fPr>
+                          <m:ctrlPr>
+                            <a:rPr lang="en-US" i="1">
+                              <a:effectLst/>
+                              <a:latin typeface="Cambria Math" panose="02040503050406030204" pitchFamily="18" charset="0"/>
+                            </a:rPr>
+                          </m:ctrlPr>
+                        </m:fPr>
+                        <m:num>
+                          <m:r>
+                            <a:rPr lang="lv-LV" sz="1800" i="1">
+                              <a:effectLst/>
+                              <a:latin typeface="Cambria Math" panose="02040503050406030204" pitchFamily="18" charset="0"/>
+                              <a:ea typeface="Calibri" panose="020F0502020204030204" pitchFamily="34" charset="0"/>
+                              <a:cs typeface="Times New Roman" panose="02020603050405020304" pitchFamily="18" charset="0"/>
+                            </a:rPr>
+                            <m:t>2</m:t>
+                          </m:r>
+                          <m:r>
+                            <a:rPr lang="lv-LV" sz="1800" i="1">
+                              <a:effectLst/>
+                              <a:latin typeface="Cambria Math" panose="02040503050406030204" pitchFamily="18" charset="0"/>
+                              <a:ea typeface="Calibri" panose="020F0502020204030204" pitchFamily="34" charset="0"/>
+                              <a:cs typeface="Times New Roman" panose="02020603050405020304" pitchFamily="18" charset="0"/>
+                            </a:rPr>
+                            <m:t>𝑇𝑃</m:t>
+                          </m:r>
+                        </m:num>
+                        <m:den>
+                          <m:r>
+                            <a:rPr lang="lv-LV" sz="1800" i="1">
+                              <a:effectLst/>
+                              <a:latin typeface="Cambria Math" panose="02040503050406030204" pitchFamily="18" charset="0"/>
+                              <a:ea typeface="Calibri" panose="020F0502020204030204" pitchFamily="34" charset="0"/>
+                              <a:cs typeface="Times New Roman" panose="02020603050405020304" pitchFamily="18" charset="0"/>
+                            </a:rPr>
+                            <m:t>2</m:t>
+                          </m:r>
+                          <m:r>
+                            <a:rPr lang="lv-LV" sz="1800" i="1">
+                              <a:effectLst/>
+                              <a:latin typeface="Cambria Math" panose="02040503050406030204" pitchFamily="18" charset="0"/>
+                              <a:ea typeface="Calibri" panose="020F0502020204030204" pitchFamily="34" charset="0"/>
+                              <a:cs typeface="Times New Roman" panose="02020603050405020304" pitchFamily="18" charset="0"/>
+                            </a:rPr>
+                            <m:t>𝑇𝑃</m:t>
+                          </m:r>
+                          <m:r>
+                            <a:rPr lang="lv-LV" sz="1800" i="1">
+                              <a:effectLst/>
+                              <a:latin typeface="Cambria Math" panose="02040503050406030204" pitchFamily="18" charset="0"/>
+                              <a:ea typeface="Calibri" panose="020F0502020204030204" pitchFamily="34" charset="0"/>
+                              <a:cs typeface="Times New Roman" panose="02020603050405020304" pitchFamily="18" charset="0"/>
+                            </a:rPr>
+                            <m:t>+</m:t>
+                          </m:r>
+                          <m:r>
+                            <a:rPr lang="lv-LV" sz="1800" i="1">
+                              <a:effectLst/>
+                              <a:latin typeface="Cambria Math" panose="02040503050406030204" pitchFamily="18" charset="0"/>
+                              <a:ea typeface="Calibri" panose="020F0502020204030204" pitchFamily="34" charset="0"/>
+                              <a:cs typeface="Times New Roman" panose="02020603050405020304" pitchFamily="18" charset="0"/>
+                            </a:rPr>
+                            <m:t>𝐹𝑃</m:t>
+                          </m:r>
+                          <m:r>
+                            <a:rPr lang="lv-LV" sz="1800" i="1">
+                              <a:effectLst/>
+                              <a:latin typeface="Cambria Math" panose="02040503050406030204" pitchFamily="18" charset="0"/>
+                              <a:ea typeface="Calibri" panose="020F0502020204030204" pitchFamily="34" charset="0"/>
+                              <a:cs typeface="Times New Roman" panose="02020603050405020304" pitchFamily="18" charset="0"/>
+                            </a:rPr>
+                            <m:t>+</m:t>
+                          </m:r>
+                          <m:r>
+                            <a:rPr lang="lv-LV" sz="1800" i="1">
+                              <a:effectLst/>
+                              <a:latin typeface="Cambria Math" panose="02040503050406030204" pitchFamily="18" charset="0"/>
+                              <a:ea typeface="Calibri" panose="020F0502020204030204" pitchFamily="34" charset="0"/>
+                              <a:cs typeface="Times New Roman" panose="02020603050405020304" pitchFamily="18" charset="0"/>
+                            </a:rPr>
+                            <m:t>𝐹𝑁</m:t>
+                          </m:r>
+                        </m:den>
+                      </m:f>
+                    </m:oMath>
+                  </m:oMathPara>
+                </a14:m>
+                <a:endParaRPr lang="lv-LV" dirty="0"/>
+              </a:p>
+              <a:p>
+                <a:pPr algn="ctr"/>
+                <a:endParaRPr lang="lv-LV" dirty="0"/>
+              </a:p>
+              <a:p>
+                <a:pPr lvl="1"/>
+                <a:r>
+                  <a:rPr lang="lv-LV" dirty="0"/>
+                  <a:t>TP = True positives</a:t>
+                </a:r>
+              </a:p>
+              <a:p>
+                <a:pPr lvl="1"/>
+                <a:r>
+                  <a:rPr lang="lv-LV" dirty="0"/>
+                  <a:t>FP = False positives</a:t>
+                </a:r>
+              </a:p>
+              <a:p>
+                <a:pPr lvl="1"/>
+                <a:r>
+                  <a:rPr lang="lv-LV" dirty="0"/>
+                  <a:t>FN = False negatives</a:t>
+                </a:r>
+                <a:endParaRPr lang="en-US" dirty="0"/>
+              </a:p>
+            </p:txBody>
+          </p:sp>
+        </mc:Choice>
+        <mc:Fallback>
+          <p:sp>
+            <p:nvSpPr>
+              <p:cNvPr id="6" name="Rectangle 5">
+                <a:extLst>
+                  <a:ext uri="{FF2B5EF4-FFF2-40B4-BE49-F238E27FC236}">
+                    <a16:creationId xmlns:a16="http://schemas.microsoft.com/office/drawing/2014/main" id="{3541E0D9-81F4-C159-D81A-284D19FD8988}"/>
+                  </a:ext>
+                </a:extLst>
+              </p:cNvPr>
+              <p:cNvSpPr>
+                <a:spLocks noRot="1" noChangeAspect="1" noMove="1" noResize="1" noEditPoints="1" noAdjustHandles="1" noChangeArrowheads="1" noChangeShapeType="1" noTextEdit="1"/>
+              </p:cNvSpPr>
+              <p:nvPr/>
+            </p:nvSpPr>
+            <p:spPr>
+              <a:xfrm>
+                <a:off x="8433657" y="406400"/>
+                <a:ext cx="3502540" cy="5628640"/>
+              </a:xfrm>
+              <a:prstGeom prst="rect">
+                <a:avLst/>
+              </a:prstGeom>
+              <a:blipFill>
+                <a:blip r:embed="rId2"/>
+                <a:stretch>
+                  <a:fillRect/>
+                </a:stretch>
+              </a:blipFill>
+            </p:spPr>
+            <p:txBody>
+              <a:bodyPr/>
+              <a:lstStyle/>
+              <a:p>
+                <a:r>
+                  <a:rPr lang="en-US">
+                    <a:noFill/>
+                  </a:rPr>
+                  <a:t> </a:t>
+                </a:r>
+              </a:p>
+            </p:txBody>
+          </p:sp>
+        </mc:Fallback>
+      </mc:AlternateContent>
+    </p:spTree>
+    <p:extLst>
+      <p:ext uri="{BB962C8B-B14F-4D97-AF65-F5344CB8AC3E}">
+        <p14:creationId xmlns:p14="http://schemas.microsoft.com/office/powerpoint/2010/main" val="1773335313"/>
       </p:ext>
     </p:extLst>
   </p:cSld>

--- a/presentation/layout.pptx
+++ b/presentation/layout.pptx
@@ -6685,44 +6685,62 @@
           </a:p>
         </p:txBody>
       </p:sp>
-      <p:pic>
-        <p:nvPicPr>
-          <p:cNvPr id="11" name="Content Placeholder 10">
-            <a:extLst>
-              <a:ext uri="{FF2B5EF4-FFF2-40B4-BE49-F238E27FC236}">
-                <a16:creationId xmlns:a16="http://schemas.microsoft.com/office/drawing/2014/main" id="{D72EBFAA-D710-F11D-36F7-3258417225F7}"/>
-              </a:ext>
-            </a:extLst>
-          </p:cNvPr>
-          <p:cNvPicPr>
-            <a:picLocks noGrp="1" noChangeAspect="1"/>
-          </p:cNvPicPr>
-          <p:nvPr>
-            <p:ph idx="1"/>
-          </p:nvPr>
-        </p:nvPicPr>
-        <p:blipFill>
-          <a:blip r:embed="rId2"/>
-          <a:stretch>
-            <a:fillRect/>
-          </a:stretch>
-        </p:blipFill>
-        <p:spPr>
-          <a:xfrm>
-            <a:off x="990932" y="2394943"/>
-            <a:ext cx="2755900" cy="2725698"/>
+      <p:sp>
+        <p:nvSpPr>
+          <p:cNvPr id="6" name="TextBox 5">
+            <a:extLst>
+              <a:ext uri="{FF2B5EF4-FFF2-40B4-BE49-F238E27FC236}">
+                <a16:creationId xmlns:a16="http://schemas.microsoft.com/office/drawing/2014/main" id="{27E798AF-A854-2C41-E0E3-342D3454FBA9}"/>
+              </a:ext>
+            </a:extLst>
+          </p:cNvPr>
+          <p:cNvSpPr txBox="1"/>
+          <p:nvPr/>
+        </p:nvSpPr>
+        <p:spPr>
+          <a:xfrm>
+            <a:off x="927389" y="5002084"/>
+            <a:ext cx="3575569" cy="646331"/>
           </a:xfrm>
           <a:prstGeom prst="rect">
             <a:avLst/>
           </a:prstGeom>
-        </p:spPr>
-      </p:pic>
+          <a:noFill/>
+        </p:spPr>
+        <p:txBody>
+          <a:bodyPr wrap="square" rtlCol="0">
+            <a:spAutoFit/>
+          </a:bodyPr>
+          <a:lstStyle/>
+          <a:p>
+            <a:r>
+              <a:rPr lang="lv-LV" dirty="0"/>
+              <a:t>Tresholding using online tool </a:t>
+            </a:r>
+          </a:p>
+          <a:p>
+            <a:r>
+              <a:rPr lang="lv-LV" dirty="0"/>
+              <a:t>(</a:t>
+            </a:r>
+            <a:r>
+              <a:rPr lang="en-US" dirty="0"/>
+              <a:t> </a:t>
+            </a:r>
+            <a:r>
+              <a:rPr lang="lv-LV" dirty="0"/>
+              <a:t>imageonline.co)</a:t>
+            </a:r>
+            <a:endParaRPr lang="en-US" dirty="0"/>
+          </a:p>
+        </p:txBody>
+      </p:sp>
       <p:pic>
         <p:nvPicPr>
-          <p:cNvPr id="13" name="Picture 12">
-            <a:extLst>
-              <a:ext uri="{FF2B5EF4-FFF2-40B4-BE49-F238E27FC236}">
-                <a16:creationId xmlns:a16="http://schemas.microsoft.com/office/drawing/2014/main" id="{E5EAE64A-DC34-A65A-491A-70CE05942001}"/>
+          <p:cNvPr id="19" name="Picture 18" descr="Background pattern&#10;&#10;Description automatically generated">
+            <a:extLst>
+              <a:ext uri="{FF2B5EF4-FFF2-40B4-BE49-F238E27FC236}">
+                <a16:creationId xmlns:a16="http://schemas.microsoft.com/office/drawing/2014/main" id="{52B2E21B-275B-BD5E-6FBF-4B8CD180C58D}"/>
               </a:ext>
             </a:extLst>
           </p:cNvPr>
@@ -6732,27 +6750,69 @@
           <p:nvPr/>
         </p:nvPicPr>
         <p:blipFill>
-          <a:blip r:embed="rId3"/>
+          <a:blip r:embed="rId2">
+            <a:extLst>
+              <a:ext uri="{28A0092B-C50C-407E-A947-70E740481C1C}">
+                <a14:useLocalDpi xmlns:a14="http://schemas.microsoft.com/office/drawing/2010/main" val="0"/>
+              </a:ext>
+            </a:extLst>
+          </a:blip>
           <a:stretch>
             <a:fillRect/>
           </a:stretch>
         </p:blipFill>
         <p:spPr>
           <a:xfrm>
-            <a:off x="4714178" y="2394943"/>
-            <a:ext cx="2757957" cy="2769660"/>
+            <a:off x="4502958" y="2472872"/>
+            <a:ext cx="3180397" cy="2423160"/>
           </a:xfrm>
           <a:prstGeom prst="rect">
             <a:avLst/>
           </a:prstGeom>
         </p:spPr>
       </p:pic>
-      <p:sp>
-        <p:nvSpPr>
-          <p:cNvPr id="6" name="TextBox 5">
-            <a:extLst>
-              <a:ext uri="{FF2B5EF4-FFF2-40B4-BE49-F238E27FC236}">
-                <a16:creationId xmlns:a16="http://schemas.microsoft.com/office/drawing/2014/main" id="{27E798AF-A854-2C41-E0E3-342D3454FBA9}"/>
+      <p:pic>
+        <p:nvPicPr>
+          <p:cNvPr id="21" name="Picture 20" descr="Background pattern&#10;&#10;Description automatically generated">
+            <a:extLst>
+              <a:ext uri="{FF2B5EF4-FFF2-40B4-BE49-F238E27FC236}">
+                <a16:creationId xmlns:a16="http://schemas.microsoft.com/office/drawing/2014/main" id="{D4AEB0C3-95B7-F7E2-D7A2-07DAED27BE3E}"/>
+              </a:ext>
+            </a:extLst>
+          </p:cNvPr>
+          <p:cNvPicPr>
+            <a:picLocks noChangeAspect="1"/>
+          </p:cNvPicPr>
+          <p:nvPr/>
+        </p:nvPicPr>
+        <p:blipFill>
+          <a:blip r:embed="rId3">
+            <a:extLst>
+              <a:ext uri="{28A0092B-C50C-407E-A947-70E740481C1C}">
+                <a14:useLocalDpi xmlns:a14="http://schemas.microsoft.com/office/drawing/2010/main" val="0"/>
+              </a:ext>
+            </a:extLst>
+          </a:blip>
+          <a:stretch>
+            <a:fillRect/>
+          </a:stretch>
+        </p:blipFill>
+        <p:spPr>
+          <a:xfrm>
+            <a:off x="1023897" y="2472872"/>
+            <a:ext cx="3180397" cy="2423160"/>
+          </a:xfrm>
+          <a:prstGeom prst="rect">
+            <a:avLst/>
+          </a:prstGeom>
+        </p:spPr>
+      </p:pic>
+      <p:sp>
+        <p:nvSpPr>
+          <p:cNvPr id="22" name="TextBox 21">
+            <a:extLst>
+              <a:ext uri="{FF2B5EF4-FFF2-40B4-BE49-F238E27FC236}">
+                <a16:creationId xmlns:a16="http://schemas.microsoft.com/office/drawing/2014/main" id="{CA56A7A5-0F00-B257-3640-6123C222FCE3}"/>
               </a:ext>
             </a:extLst>
           </p:cNvPr>
@@ -6761,8 +6821,8 @@
         </p:nvSpPr>
         <p:spPr>
           <a:xfrm>
-            <a:off x="1345624" y="5199797"/>
-            <a:ext cx="2046515" cy="646331"/>
+            <a:off x="4494332" y="5056561"/>
+            <a:ext cx="3180397" cy="369332"/>
           </a:xfrm>
           <a:prstGeom prst="rect">
             <a:avLst/>
@@ -6777,44 +6837,9 @@
           <a:p>
             <a:r>
               <a:rPr lang="lv-LV" dirty="0"/>
-              <a:t>Hier tue ich ein gt bild rein</a:t>
+              <a:t>Ground truth picture</a:t>
             </a:r>
             <a:endParaRPr lang="en-US" dirty="0"/>
-          </a:p>
-        </p:txBody>
-      </p:sp>
-      <p:sp>
-        <p:nvSpPr>
-          <p:cNvPr id="7" name="TextBox 6">
-            <a:extLst>
-              <a:ext uri="{FF2B5EF4-FFF2-40B4-BE49-F238E27FC236}">
-                <a16:creationId xmlns:a16="http://schemas.microsoft.com/office/drawing/2014/main" id="{9F29A909-03F1-3751-685F-20CEC4EC38FC}"/>
-              </a:ext>
-            </a:extLst>
-          </p:cNvPr>
-          <p:cNvSpPr txBox="1"/>
-          <p:nvPr/>
-        </p:nvSpPr>
-        <p:spPr>
-          <a:xfrm>
-            <a:off x="4558123" y="5257610"/>
-            <a:ext cx="3490532" cy="923330"/>
-          </a:xfrm>
-          <a:prstGeom prst="rect">
-            <a:avLst/>
-          </a:prstGeom>
-          <a:noFill/>
-        </p:spPr>
-        <p:txBody>
-          <a:bodyPr wrap="square" rtlCol="0">
-            <a:spAutoFit/>
-          </a:bodyPr>
-          <a:lstStyle/>
-          <a:p>
-            <a:r>
-              <a:rPr lang="lv-LV" dirty="0"/>
-              <a:t>Und hier ein post otsu (kann online tresholding wahrscheinlich machen)</a:t>
-            </a:r>
           </a:p>
         </p:txBody>
       </p:sp>
@@ -7476,8 +7501,8 @@
           </a:p>
         </p:txBody>
       </p:sp>
-      <mc:AlternateContent xmlns:mc="http://schemas.openxmlformats.org/markup-compatibility/2006">
-        <mc:Choice xmlns:a14="http://schemas.microsoft.com/office/drawing/2010/main" Requires="a14">
+      <mc:AlternateContent xmlns:mc="http://schemas.openxmlformats.org/markup-compatibility/2006" xmlns:a14="http://schemas.microsoft.com/office/drawing/2010/main">
+        <mc:Choice Requires="a14">
           <p:sp>
             <p:nvSpPr>
               <p:cNvPr id="6" name="Rectangle 5">
@@ -7662,7 +7687,7 @@
             </p:txBody>
           </p:sp>
         </mc:Choice>
-        <mc:Fallback>
+        <mc:Fallback xmlns="">
           <p:sp>
             <p:nvSpPr>
               <p:cNvPr id="6" name="Rectangle 5">
